--- a/Final Project 1.pptx
+++ b/Final Project 1.pptx
@@ -21,12 +21,10 @@
     <p:sldId id="279" r:id="rId15"/>
     <p:sldId id="280" r:id="rId16"/>
     <p:sldId id="288" r:id="rId17"/>
-    <p:sldId id="290" r:id="rId18"/>
-    <p:sldId id="283" r:id="rId19"/>
-    <p:sldId id="284" r:id="rId20"/>
-    <p:sldId id="282" r:id="rId21"/>
-    <p:sldId id="286" r:id="rId22"/>
-    <p:sldId id="291" r:id="rId23"/>
+    <p:sldId id="283" r:id="rId18"/>
+    <p:sldId id="284" r:id="rId19"/>
+    <p:sldId id="282" r:id="rId20"/>
+    <p:sldId id="286" r:id="rId21"/>
   </p:sldIdLst>
   <p:sldSz cx="12192000" cy="6858000"/>
   <p:notesSz cx="6858000" cy="9144000"/>
@@ -280,7 +278,7 @@
           <a:p>
             <a:fld id="{FE393A23-8111-4E0F-84A4-DA0ED36DDFF8}" type="datetimeFigureOut">
               <a:rPr lang="en-US" smtClean="0"/>
-              <a:t>4/12/2023</a:t>
+              <a:t>4/14/2023</a:t>
             </a:fld>
             <a:endParaRPr lang="en-US"/>
           </a:p>
@@ -478,7 +476,7 @@
           <a:p>
             <a:fld id="{FE393A23-8111-4E0F-84A4-DA0ED36DDFF8}" type="datetimeFigureOut">
               <a:rPr lang="en-US" smtClean="0"/>
-              <a:t>4/12/2023</a:t>
+              <a:t>4/14/2023</a:t>
             </a:fld>
             <a:endParaRPr lang="en-US"/>
           </a:p>
@@ -686,7 +684,7 @@
           <a:p>
             <a:fld id="{FE393A23-8111-4E0F-84A4-DA0ED36DDFF8}" type="datetimeFigureOut">
               <a:rPr lang="en-US" smtClean="0"/>
-              <a:t>4/12/2023</a:t>
+              <a:t>4/14/2023</a:t>
             </a:fld>
             <a:endParaRPr lang="en-US"/>
           </a:p>
@@ -884,7 +882,7 @@
           <a:p>
             <a:fld id="{FE393A23-8111-4E0F-84A4-DA0ED36DDFF8}" type="datetimeFigureOut">
               <a:rPr lang="en-US" smtClean="0"/>
-              <a:t>4/12/2023</a:t>
+              <a:t>4/14/2023</a:t>
             </a:fld>
             <a:endParaRPr lang="en-US"/>
           </a:p>
@@ -1159,7 +1157,7 @@
           <a:p>
             <a:fld id="{FE393A23-8111-4E0F-84A4-DA0ED36DDFF8}" type="datetimeFigureOut">
               <a:rPr lang="en-US" smtClean="0"/>
-              <a:t>4/12/2023</a:t>
+              <a:t>4/14/2023</a:t>
             </a:fld>
             <a:endParaRPr lang="en-US"/>
           </a:p>
@@ -1424,7 +1422,7 @@
           <a:p>
             <a:fld id="{FE393A23-8111-4E0F-84A4-DA0ED36DDFF8}" type="datetimeFigureOut">
               <a:rPr lang="en-US" smtClean="0"/>
-              <a:t>4/12/2023</a:t>
+              <a:t>4/14/2023</a:t>
             </a:fld>
             <a:endParaRPr lang="en-US"/>
           </a:p>
@@ -1836,7 +1834,7 @@
           <a:p>
             <a:fld id="{FE393A23-8111-4E0F-84A4-DA0ED36DDFF8}" type="datetimeFigureOut">
               <a:rPr lang="en-US" smtClean="0"/>
-              <a:t>4/12/2023</a:t>
+              <a:t>4/14/2023</a:t>
             </a:fld>
             <a:endParaRPr lang="en-US"/>
           </a:p>
@@ -1977,7 +1975,7 @@
           <a:p>
             <a:fld id="{FE393A23-8111-4E0F-84A4-DA0ED36DDFF8}" type="datetimeFigureOut">
               <a:rPr lang="en-US" smtClean="0"/>
-              <a:t>4/12/2023</a:t>
+              <a:t>4/14/2023</a:t>
             </a:fld>
             <a:endParaRPr lang="en-US"/>
           </a:p>
@@ -2090,7 +2088,7 @@
           <a:p>
             <a:fld id="{FE393A23-8111-4E0F-84A4-DA0ED36DDFF8}" type="datetimeFigureOut">
               <a:rPr lang="en-US" smtClean="0"/>
-              <a:t>4/12/2023</a:t>
+              <a:t>4/14/2023</a:t>
             </a:fld>
             <a:endParaRPr lang="en-US"/>
           </a:p>
@@ -2401,7 +2399,7 @@
           <a:p>
             <a:fld id="{FE393A23-8111-4E0F-84A4-DA0ED36DDFF8}" type="datetimeFigureOut">
               <a:rPr lang="en-US" smtClean="0"/>
-              <a:t>4/12/2023</a:t>
+              <a:t>4/14/2023</a:t>
             </a:fld>
             <a:endParaRPr lang="en-US"/>
           </a:p>
@@ -2689,7 +2687,7 @@
           <a:p>
             <a:fld id="{FE393A23-8111-4E0F-84A4-DA0ED36DDFF8}" type="datetimeFigureOut">
               <a:rPr lang="en-US" smtClean="0"/>
-              <a:t>4/12/2023</a:t>
+              <a:t>4/14/2023</a:t>
             </a:fld>
             <a:endParaRPr lang="en-US"/>
           </a:p>
@@ -2930,7 +2928,7 @@
           <a:p>
             <a:fld id="{FE393A23-8111-4E0F-84A4-DA0ED36DDFF8}" type="datetimeFigureOut">
               <a:rPr lang="en-US" smtClean="0"/>
-              <a:t>4/12/2023</a:t>
+              <a:t>4/14/2023</a:t>
             </a:fld>
             <a:endParaRPr lang="en-US"/>
           </a:p>
@@ -4108,8 +4106,8 @@
         </p:blipFill>
         <p:spPr>
           <a:xfrm>
-            <a:off x="1670670" y="288485"/>
-            <a:ext cx="8013461" cy="5914011"/>
+            <a:off x="1389934" y="0"/>
+            <a:ext cx="9123308" cy="6733089"/>
           </a:xfrm>
           <a:prstGeom prst="rect">
             <a:avLst/>
@@ -4244,8 +4242,8 @@
         </p:blipFill>
         <p:spPr>
           <a:xfrm>
-            <a:off x="565079" y="256854"/>
-            <a:ext cx="11219379" cy="6462445"/>
+            <a:off x="264694" y="0"/>
+            <a:ext cx="11742821" cy="6819842"/>
           </a:xfrm>
         </p:spPr>
       </p:pic>
@@ -4309,8 +4307,8 @@
         </p:blipFill>
         <p:spPr>
           <a:xfrm>
-            <a:off x="568503" y="172092"/>
-            <a:ext cx="11054993" cy="6513815"/>
+            <a:off x="266204" y="40105"/>
+            <a:ext cx="11659592" cy="6870056"/>
           </a:xfrm>
         </p:spPr>
       </p:pic>
@@ -4667,7 +4665,7 @@
               <a:buChar char="•"/>
             </a:pPr>
             <a:r>
-              <a:rPr lang="en-US" sz="1400"/>
+              <a:rPr lang="en-US" sz="1400" dirty="0"/>
               <a:t>Chartered banks supply majority of non‑mortgage loans, unchanged by pandemic As household non‑mortgage debt steadily grew over the last 30 years, continued industry consolidation increased the market share of major banks relative to other lending sectors, leading to a growing share of financing originating from chartered banks. As home valuations steadily rose, the rise in popularity of Home Equity Lines Of Credit (HELOCs) through the mid‑2000s further exacerbated the divide, as banks were able to tap into a much larger share of Canadian household mortgages against which borrowers could unlock additional funds. Perhaps emboldened by the strength of the Canadian housing market over the last decade and steadily declining interest rates, HELOCs grew to become the product of choice for household non‑mortgage borrowing. Despite changes in borrowing preferences that have resulted from the pandemic, the market share between banks and non‑banks continues to remain relatively unchanged since 2011, with chartered banks holding 74% of non‑mortgage debt</a:t>
             </a:r>
           </a:p>
@@ -4828,13 +4826,13 @@
               </a:ext>
             </a:extLst>
           </a:blip>
-          <a:srcRect t="1625" r="-1" b="11857"/>
+          <a:srcRect t="1625" b="15198"/>
           <a:stretch/>
         </p:blipFill>
         <p:spPr>
           <a:xfrm>
-            <a:off x="5977788" y="799352"/>
-            <a:ext cx="5425410" cy="5231578"/>
+            <a:off x="6150701" y="1083484"/>
+            <a:ext cx="5425410" cy="5029520"/>
           </a:xfrm>
           <a:prstGeom prst="rect">
             <a:avLst/>
@@ -4922,7 +4920,7 @@
         <p:spPr>
           <a:xfrm>
             <a:off x="369870" y="335845"/>
-            <a:ext cx="4479532" cy="6186309"/>
+            <a:ext cx="4479532" cy="5632311"/>
           </a:xfrm>
           <a:prstGeom prst="rect">
             <a:avLst/>
@@ -4935,10 +4933,6 @@
           </a:bodyPr>
           <a:lstStyle/>
           <a:p>
-            <a:pPr marL="285750" indent="-285750">
-              <a:buFont typeface="Arial" panose="020B0604020202020204" pitchFamily="34" charset="0"/>
-              <a:buChar char="•"/>
-            </a:pPr>
             <a:r>
               <a:rPr lang="en-US" dirty="0"/>
               <a:t>As lockdowns remained in effect, banks extended temporary credit relief to their customers through the summer, and as a result the average outstanding balance weighted APRs (Annualized Percentage Rate) for credit cards declined from their February highs. However, these measures had been largely curtailed, and average effective rates returned to their pre‑pandemic levels. With interest at historic lows, and credit card APRs on the rise, the implicit cost of using credit cards reached a record level as measured by the difference between the costs of funds and the rates being charged. While one might conclude that average credit card rates rose in response to a shift in outstanding balances from higher credit rated borrowers to lower, the reality is that those with lower scores repaid their debt at a faster rate than those with higher scores throughout the pandemic.</a:t>
@@ -5884,8 +5878,8 @@
         </p:nvSpPr>
         <p:spPr>
           <a:xfrm>
-            <a:off x="844812" y="3290181"/>
-            <a:ext cx="10499327" cy="1098762"/>
+            <a:off x="1387873" y="3601984"/>
+            <a:ext cx="10499327" cy="775075"/>
           </a:xfrm>
           <a:prstGeom prst="rect">
             <a:avLst/>
@@ -5904,7 +5898,7 @@
               </a:spcAft>
             </a:pPr>
             <a:r>
-              <a:rPr lang="en-US" sz="2180" kern="1200" dirty="0">
+              <a:rPr lang="en-US" sz="2180" kern="1200">
                 <a:solidFill>
                   <a:schemeClr val="tx1"/>
                 </a:solidFill>
@@ -5912,9 +5906,9 @@
                 <a:ea typeface="+mn-ea"/>
                 <a:cs typeface="+mn-cs"/>
               </a:rPr>
-              <a:t>In the slides below, there’s extras studies on Ontario’s income, spending and saving market and the Canadian imperial stock market evolution as well as Canadian natural resources and Air Canada and the impact of Covid 19.</a:t>
-            </a:r>
-            <a:endParaRPr lang="en-US" sz="2000" dirty="0"/>
+              <a:t>In the slides below, there’s extras studies on the Canadian imperial stock market evolution as well as Canadian natural resources and Air Canada and the impact of Covid 19.</a:t>
+            </a:r>
+            <a:endParaRPr lang="en-US" sz="2000"/>
           </a:p>
         </p:txBody>
       </p:sp>
@@ -5932,186 +5926,6 @@
 </file>
 
 <file path=ppt/slides/slide17.xml><?xml version="1.0" encoding="utf-8"?>
-<p:sld xmlns:a="http://schemas.openxmlformats.org/drawingml/2006/main" xmlns:r="http://schemas.openxmlformats.org/officeDocument/2006/relationships" xmlns:p="http://schemas.openxmlformats.org/presentationml/2006/main">
-  <p:cSld>
-    <p:spTree>
-      <p:nvGrpSpPr>
-        <p:cNvPr id="1" name=""/>
-        <p:cNvGrpSpPr/>
-        <p:nvPr/>
-      </p:nvGrpSpPr>
-      <p:grpSpPr>
-        <a:xfrm>
-          <a:off x="0" y="0"/>
-          <a:ext cx="0" cy="0"/>
-          <a:chOff x="0" y="0"/>
-          <a:chExt cx="0" cy="0"/>
-        </a:xfrm>
-      </p:grpSpPr>
-      <p:pic>
-        <p:nvPicPr>
-          <p:cNvPr id="7" name="Picture 6" descr="Chart&#10;&#10;Description automatically generated">
-            <a:extLst>
-              <a:ext uri="{FF2B5EF4-FFF2-40B4-BE49-F238E27FC236}">
-                <a16:creationId xmlns:a16="http://schemas.microsoft.com/office/drawing/2014/main" id="{8720D1B6-E0CD-95DF-09BC-AA952418900D}"/>
-              </a:ext>
-            </a:extLst>
-          </p:cNvPr>
-          <p:cNvPicPr>
-            <a:picLocks noChangeAspect="1"/>
-          </p:cNvPicPr>
-          <p:nvPr/>
-        </p:nvPicPr>
-        <p:blipFill>
-          <a:blip r:embed="rId2">
-            <a:extLst>
-              <a:ext uri="{28A0092B-C50C-407E-A947-70E740481C1C}">
-                <a14:useLocalDpi xmlns:a14="http://schemas.microsoft.com/office/drawing/2010/main" val="0"/>
-              </a:ext>
-            </a:extLst>
-          </a:blip>
-          <a:stretch>
-            <a:fillRect/>
-          </a:stretch>
-        </p:blipFill>
-        <p:spPr>
-          <a:xfrm>
-            <a:off x="6387170" y="539490"/>
-            <a:ext cx="5468123" cy="5084074"/>
-          </a:xfrm>
-          <a:prstGeom prst="rect">
-            <a:avLst/>
-          </a:prstGeom>
-        </p:spPr>
-      </p:pic>
-      <p:pic>
-        <p:nvPicPr>
-          <p:cNvPr id="9" name="Picture 8" descr="Chart, line chart&#10;&#10;Description automatically generated">
-            <a:extLst>
-              <a:ext uri="{FF2B5EF4-FFF2-40B4-BE49-F238E27FC236}">
-                <a16:creationId xmlns:a16="http://schemas.microsoft.com/office/drawing/2014/main" id="{68C2621E-654C-0269-D518-11B0DDE67810}"/>
-              </a:ext>
-            </a:extLst>
-          </p:cNvPr>
-          <p:cNvPicPr>
-            <a:picLocks noChangeAspect="1"/>
-          </p:cNvPicPr>
-          <p:nvPr/>
-        </p:nvPicPr>
-        <p:blipFill>
-          <a:blip r:embed="rId3">
-            <a:extLst>
-              <a:ext uri="{28A0092B-C50C-407E-A947-70E740481C1C}">
-                <a14:useLocalDpi xmlns:a14="http://schemas.microsoft.com/office/drawing/2010/main" val="0"/>
-              </a:ext>
-            </a:extLst>
-          </a:blip>
-          <a:stretch>
-            <a:fillRect/>
-          </a:stretch>
-        </p:blipFill>
-        <p:spPr>
-          <a:xfrm>
-            <a:off x="534998" y="1234435"/>
-            <a:ext cx="5852172" cy="4389129"/>
-          </a:xfrm>
-          <a:prstGeom prst="rect">
-            <a:avLst/>
-          </a:prstGeom>
-        </p:spPr>
-      </p:pic>
-      <p:sp>
-        <p:nvSpPr>
-          <p:cNvPr id="10" name="TextBox 9">
-            <a:extLst>
-              <a:ext uri="{FF2B5EF4-FFF2-40B4-BE49-F238E27FC236}">
-                <a16:creationId xmlns:a16="http://schemas.microsoft.com/office/drawing/2014/main" id="{808ECEB3-596D-A28E-0C57-16154D09B255}"/>
-              </a:ext>
-            </a:extLst>
-          </p:cNvPr>
-          <p:cNvSpPr txBox="1"/>
-          <p:nvPr/>
-        </p:nvSpPr>
-        <p:spPr>
-          <a:xfrm>
-            <a:off x="336707" y="300789"/>
-            <a:ext cx="5017345" cy="923330"/>
-          </a:xfrm>
-          <a:prstGeom prst="rect">
-            <a:avLst/>
-          </a:prstGeom>
-          <a:noFill/>
-        </p:spPr>
-        <p:txBody>
-          <a:bodyPr wrap="square" rtlCol="0">
-            <a:spAutoFit/>
-          </a:bodyPr>
-          <a:lstStyle/>
-          <a:p>
-            <a:pPr marL="285750" indent="-285750">
-              <a:buFont typeface="Arial" panose="020B0604020202020204" pitchFamily="34" charset="0"/>
-              <a:buChar char="•"/>
-            </a:pPr>
-            <a:r>
-              <a:rPr lang="en-US" dirty="0"/>
-              <a:t>Ontario saving was in the negative before 2019 and reached its peak in 2021 and its back to decline.</a:t>
-            </a:r>
-          </a:p>
-        </p:txBody>
-      </p:sp>
-      <p:sp>
-        <p:nvSpPr>
-          <p:cNvPr id="11" name="TextBox 10">
-            <a:extLst>
-              <a:ext uri="{FF2B5EF4-FFF2-40B4-BE49-F238E27FC236}">
-                <a16:creationId xmlns:a16="http://schemas.microsoft.com/office/drawing/2014/main" id="{3DC25DFA-0546-EDBE-FBD2-1C96C414216E}"/>
-              </a:ext>
-            </a:extLst>
-          </p:cNvPr>
-          <p:cNvSpPr txBox="1"/>
-          <p:nvPr/>
-        </p:nvSpPr>
-        <p:spPr>
-          <a:xfrm>
-            <a:off x="6630694" y="5739063"/>
-            <a:ext cx="4981074" cy="646331"/>
-          </a:xfrm>
-          <a:prstGeom prst="rect">
-            <a:avLst/>
-          </a:prstGeom>
-          <a:noFill/>
-        </p:spPr>
-        <p:txBody>
-          <a:bodyPr wrap="square" rtlCol="0">
-            <a:spAutoFit/>
-          </a:bodyPr>
-          <a:lstStyle/>
-          <a:p>
-            <a:pPr marL="285750" indent="-285750">
-              <a:buFont typeface="Arial" panose="020B0604020202020204" pitchFamily="34" charset="0"/>
-              <a:buChar char="•"/>
-            </a:pPr>
-            <a:r>
-              <a:rPr lang="en-US" dirty="0"/>
-              <a:t>We can see how the expenses dropped during pandemic (2020-2021) and back to rise.</a:t>
-            </a:r>
-          </a:p>
-        </p:txBody>
-      </p:sp>
-    </p:spTree>
-    <p:extLst>
-      <p:ext uri="{BB962C8B-B14F-4D97-AF65-F5344CB8AC3E}">
-        <p14:creationId xmlns:p14="http://schemas.microsoft.com/office/powerpoint/2010/main" val="948702743"/>
-      </p:ext>
-    </p:extLst>
-  </p:cSld>
-  <p:clrMapOvr>
-    <a:masterClrMapping/>
-  </p:clrMapOvr>
-</p:sld>
-</file>
-
-<file path=ppt/slides/slide18.xml><?xml version="1.0" encoding="utf-8"?>
 <p:sld xmlns:a="http://schemas.openxmlformats.org/drawingml/2006/main" xmlns:r="http://schemas.openxmlformats.org/officeDocument/2006/relationships" xmlns:p="http://schemas.openxmlformats.org/presentationml/2006/main">
   <p:cSld>
     <p:bg>
@@ -6136,727 +5950,9 @@
           <a:chExt cx="0" cy="0"/>
         </a:xfrm>
       </p:grpSpPr>
-      <p:sp useBgFill="1">
-        <p:nvSpPr>
-          <p:cNvPr id="37" name="Rectangle 14">
-            <a:extLst>
-              <a:ext uri="{FF2B5EF4-FFF2-40B4-BE49-F238E27FC236}">
-                <a16:creationId xmlns:a16="http://schemas.microsoft.com/office/drawing/2014/main" id="{6EE0B6E2-7CE8-4D86-87FC-4B58A7D8E759}"/>
-              </a:ext>
-              <a:ext uri="{C183D7F6-B498-43B3-948B-1728B52AA6E4}">
-                <adec:decorative xmlns:adec="http://schemas.microsoft.com/office/drawing/2017/decorative" val="1"/>
-              </a:ext>
-            </a:extLst>
-          </p:cNvPr>
-          <p:cNvSpPr>
-            <a:spLocks noGrp="1" noRot="1" noChangeAspect="1" noMove="1" noResize="1" noEditPoints="1" noAdjustHandles="1" noChangeArrowheads="1" noChangeShapeType="1" noTextEdit="1"/>
-          </p:cNvSpPr>
-          <p:nvPr>
-            <p:extLst>
-              <p:ext uri="{386F3935-93C4-4BCD-93E2-E3B085C9AB24}">
-                <p16:designElem xmlns:p16="http://schemas.microsoft.com/office/powerpoint/2015/main" val="1"/>
-              </p:ext>
-            </p:extLst>
-          </p:nvPr>
-        </p:nvSpPr>
-        <p:spPr>
-          <a:xfrm>
-            <a:off x="0" y="0"/>
-            <a:ext cx="12188952" cy="6858000"/>
-          </a:xfrm>
-          <a:prstGeom prst="rect">
-            <a:avLst/>
-          </a:prstGeom>
-          <a:ln>
-            <a:noFill/>
-          </a:ln>
-        </p:spPr>
-        <p:style>
-          <a:lnRef idx="2">
-            <a:schemeClr val="accent1">
-              <a:shade val="50000"/>
-            </a:schemeClr>
-          </a:lnRef>
-          <a:fillRef idx="1">
-            <a:schemeClr val="accent1"/>
-          </a:fillRef>
-          <a:effectRef idx="0">
-            <a:schemeClr val="accent1"/>
-          </a:effectRef>
-          <a:fontRef idx="minor">
-            <a:schemeClr val="lt1"/>
-          </a:fontRef>
-        </p:style>
-        <p:txBody>
-          <a:bodyPr rtlCol="0" anchor="ctr"/>
-          <a:lstStyle/>
-          <a:p>
-            <a:pPr algn="ctr"/>
-            <a:endParaRPr lang="en-US"/>
-          </a:p>
-        </p:txBody>
-      </p:sp>
-      <p:pic>
-        <p:nvPicPr>
-          <p:cNvPr id="5" name="Picture 4" descr="Chart, waterfall chart&#10;&#10;Description automatically generated">
-            <a:extLst>
-              <a:ext uri="{FF2B5EF4-FFF2-40B4-BE49-F238E27FC236}">
-                <a16:creationId xmlns:a16="http://schemas.microsoft.com/office/drawing/2014/main" id="{037116B9-048F-3F4D-5935-9824DE03F9C3}"/>
-              </a:ext>
-            </a:extLst>
-          </p:cNvPr>
-          <p:cNvPicPr>
-            <a:picLocks noChangeAspect="1"/>
-          </p:cNvPicPr>
-          <p:nvPr/>
-        </p:nvPicPr>
-        <p:blipFill rotWithShape="1">
-          <a:blip r:embed="rId2">
-            <a:extLst>
-              <a:ext uri="{28A0092B-C50C-407E-A947-70E740481C1C}">
-                <a14:useLocalDpi xmlns:a14="http://schemas.microsoft.com/office/drawing/2010/main" val="0"/>
-              </a:ext>
-            </a:extLst>
-          </a:blip>
-          <a:srcRect r="1" b="2866"/>
-          <a:stretch/>
-        </p:blipFill>
-        <p:spPr>
-          <a:xfrm>
-            <a:off x="577637" y="424330"/>
-            <a:ext cx="11036726" cy="5869478"/>
-          </a:xfrm>
-          <a:custGeom>
-            <a:avLst/>
-            <a:gdLst/>
-            <a:ahLst/>
-            <a:cxnLst/>
-            <a:rect l="l" t="t" r="r" b="b"/>
-            <a:pathLst>
-              <a:path w="10630858" h="5869478">
-                <a:moveTo>
-                  <a:pt x="5791061" y="218"/>
-                </a:moveTo>
-                <a:cubicBezTo>
-                  <a:pt x="5877327" y="-560"/>
-                  <a:pt x="5971399" y="626"/>
-                  <a:pt x="6073275" y="5793"/>
-                </a:cubicBezTo>
-                <a:cubicBezTo>
-                  <a:pt x="6098744" y="7086"/>
-                  <a:pt x="6121786" y="8165"/>
-                  <a:pt x="6142651" y="9057"/>
-                </a:cubicBezTo>
-                <a:lnTo>
-                  <a:pt x="6164185" y="9874"/>
-                </a:lnTo>
-                <a:lnTo>
-                  <a:pt x="6258731" y="5793"/>
-                </a:lnTo>
-                <a:lnTo>
-                  <a:pt x="6319194" y="2002"/>
-                </a:lnTo>
-                <a:lnTo>
-                  <a:pt x="6413049" y="11772"/>
-                </a:lnTo>
-                <a:cubicBezTo>
-                  <a:pt x="6592720" y="42783"/>
-                  <a:pt x="6774188" y="66100"/>
-                  <a:pt x="6956654" y="46745"/>
-                </a:cubicBezTo>
-                <a:cubicBezTo>
-                  <a:pt x="7082424" y="33223"/>
-                  <a:pt x="7207994" y="25294"/>
-                  <a:pt x="7334364" y="25763"/>
-                </a:cubicBezTo>
-                <a:cubicBezTo>
-                  <a:pt x="7624835" y="25763"/>
-                  <a:pt x="7915502" y="28559"/>
-                  <a:pt x="8205974" y="22730"/>
-                </a:cubicBezTo>
-                <a:cubicBezTo>
-                  <a:pt x="8464499" y="17601"/>
-                  <a:pt x="8722029" y="6412"/>
-                  <a:pt x="8980756" y="34620"/>
-                </a:cubicBezTo>
-                <a:cubicBezTo>
-                  <a:pt x="9362658" y="76124"/>
-                  <a:pt x="9746556" y="62832"/>
-                  <a:pt x="10129655" y="57937"/>
-                </a:cubicBezTo>
-                <a:lnTo>
-                  <a:pt x="10163726" y="56766"/>
-                </a:lnTo>
-                <a:lnTo>
-                  <a:pt x="10254950" y="73131"/>
-                </a:lnTo>
-                <a:lnTo>
-                  <a:pt x="10311819" y="101928"/>
-                </a:lnTo>
-                <a:cubicBezTo>
-                  <a:pt x="10479504" y="200737"/>
-                  <a:pt x="10591476" y="367254"/>
-                  <a:pt x="10625532" y="561669"/>
-                </a:cubicBezTo>
-                <a:lnTo>
-                  <a:pt x="10626834" y="578090"/>
-                </a:lnTo>
-                <a:lnTo>
-                  <a:pt x="10611964" y="734537"/>
-                </a:lnTo>
-                <a:cubicBezTo>
-                  <a:pt x="10602387" y="823467"/>
-                  <a:pt x="10587763" y="913306"/>
-                  <a:pt x="10611964" y="1001326"/>
-                </a:cubicBezTo>
-                <a:cubicBezTo>
-                  <a:pt x="10628543" y="1062669"/>
-                  <a:pt x="10632231" y="1127783"/>
-                  <a:pt x="10622705" y="1191154"/>
-                </a:cubicBezTo>
-                <a:cubicBezTo>
-                  <a:pt x="10606645" y="1303627"/>
-                  <a:pt x="10603293" y="1418084"/>
-                  <a:pt x="10612740" y="1531572"/>
-                </a:cubicBezTo>
-                <a:cubicBezTo>
-                  <a:pt x="10618978" y="1606398"/>
-                  <a:pt x="10618020" y="1681815"/>
-                  <a:pt x="10609893" y="1756397"/>
-                </a:cubicBezTo>
-                <a:cubicBezTo>
-                  <a:pt x="10599152" y="1856690"/>
-                  <a:pt x="10582457" y="1958800"/>
-                  <a:pt x="10602776" y="2059394"/>
-                </a:cubicBezTo>
-                <a:cubicBezTo>
-                  <a:pt x="10635130" y="2219226"/>
-                  <a:pt x="10628659" y="2378906"/>
-                  <a:pt x="10615717" y="2539949"/>
-                </a:cubicBezTo>
-                <a:cubicBezTo>
-                  <a:pt x="10606011" y="2659785"/>
-                  <a:pt x="10595269" y="2780984"/>
-                  <a:pt x="10614682" y="2902183"/>
-                </a:cubicBezTo>
-                <a:cubicBezTo>
-                  <a:pt x="10623029" y="2958418"/>
-                  <a:pt x="10623029" y="3015928"/>
-                  <a:pt x="10614682" y="3072165"/>
-                </a:cubicBezTo>
-                <a:cubicBezTo>
-                  <a:pt x="10604587" y="3147914"/>
-                  <a:pt x="10595010" y="3222907"/>
-                  <a:pt x="10607952" y="3299413"/>
-                </a:cubicBezTo>
-                <a:cubicBezTo>
-                  <a:pt x="10613646" y="3332743"/>
-                  <a:pt x="10617917" y="3366376"/>
-                  <a:pt x="10620894" y="3400009"/>
-                </a:cubicBezTo>
-                <a:cubicBezTo>
-                  <a:pt x="10626822" y="3485877"/>
-                  <a:pt x="10624699" y="3572233"/>
-                  <a:pt x="10614553" y="3657556"/>
-                </a:cubicBezTo>
-                <a:cubicBezTo>
-                  <a:pt x="10604846" y="3756637"/>
-                  <a:pt x="10620635" y="3856323"/>
-                  <a:pt x="10607694" y="3955100"/>
-                </a:cubicBezTo>
-                <a:cubicBezTo>
-                  <a:pt x="10598504" y="4034653"/>
-                  <a:pt x="10598155" y="4115265"/>
-                  <a:pt x="10606658" y="4194923"/>
-                </a:cubicBezTo>
-                <a:cubicBezTo>
-                  <a:pt x="10621954" y="4345512"/>
-                  <a:pt x="10620998" y="4497755"/>
-                  <a:pt x="10603811" y="4648057"/>
-                </a:cubicBezTo>
-                <a:cubicBezTo>
-                  <a:pt x="10593198" y="4735775"/>
-                  <a:pt x="10587116" y="4826067"/>
-                  <a:pt x="10606140" y="4912119"/>
-                </a:cubicBezTo>
-                <a:cubicBezTo>
-                  <a:pt x="10628530" y="5013245"/>
-                  <a:pt x="10633189" y="5114446"/>
-                  <a:pt x="10629921" y="5215515"/>
-                </a:cubicBezTo>
-                <a:lnTo>
-                  <a:pt x="10625356" y="5273604"/>
-                </a:lnTo>
-                <a:lnTo>
-                  <a:pt x="10624284" y="5284086"/>
-                </a:lnTo>
-                <a:cubicBezTo>
-                  <a:pt x="10601148" y="5404993"/>
-                  <a:pt x="10545219" y="5529874"/>
-                  <a:pt x="10458692" y="5632218"/>
-                </a:cubicBezTo>
-                <a:lnTo>
-                  <a:pt x="10418904" y="5670857"/>
-                </a:lnTo>
-                <a:lnTo>
-                  <a:pt x="10417064" y="5673484"/>
-                </a:lnTo>
-                <a:cubicBezTo>
-                  <a:pt x="10307992" y="5802550"/>
-                  <a:pt x="10158402" y="5877799"/>
-                  <a:pt x="9954609" y="5858572"/>
-                </a:cubicBezTo>
-                <a:cubicBezTo>
-                  <a:pt x="9860355" y="5870096"/>
-                  <a:pt x="9750551" y="5855439"/>
-                  <a:pt x="9657171" y="5854061"/>
-                </a:cubicBezTo>
-                <a:lnTo>
-                  <a:pt x="9612467" y="5856387"/>
-                </a:lnTo>
-                <a:lnTo>
-                  <a:pt x="9279984" y="5838331"/>
-                </a:lnTo>
-                <a:cubicBezTo>
-                  <a:pt x="9153141" y="5834280"/>
-                  <a:pt x="9026273" y="5834164"/>
-                  <a:pt x="8899305" y="5841275"/>
-                </a:cubicBezTo>
-                <a:cubicBezTo>
-                  <a:pt x="8761407" y="5850940"/>
-                  <a:pt x="8623304" y="5854733"/>
-                  <a:pt x="8485266" y="5852671"/>
-                </a:cubicBezTo>
-                <a:lnTo>
-                  <a:pt x="8314842" y="5842884"/>
-                </a:lnTo>
-                <a:lnTo>
-                  <a:pt x="8193631" y="5825368"/>
-                </a:lnTo>
-                <a:lnTo>
-                  <a:pt x="8029897" y="5818284"/>
-                </a:lnTo>
-                <a:lnTo>
-                  <a:pt x="8028296" y="5817260"/>
-                </a:lnTo>
-                <a:lnTo>
-                  <a:pt x="8008332" y="5817260"/>
-                </a:lnTo>
-                <a:lnTo>
-                  <a:pt x="8006732" y="5818114"/>
-                </a:lnTo>
-                <a:lnTo>
-                  <a:pt x="7839115" y="5825368"/>
-                </a:lnTo>
-                <a:lnTo>
-                  <a:pt x="7801585" y="5830791"/>
-                </a:lnTo>
-                <a:lnTo>
-                  <a:pt x="7734233" y="5834980"/>
-                </a:lnTo>
-                <a:lnTo>
-                  <a:pt x="7482820" y="5855530"/>
-                </a:lnTo>
-                <a:lnTo>
-                  <a:pt x="7445741" y="5854102"/>
-                </a:lnTo>
-                <a:lnTo>
-                  <a:pt x="7403701" y="5858035"/>
-                </a:lnTo>
-                <a:lnTo>
-                  <a:pt x="7155292" y="5854564"/>
-                </a:lnTo>
-                <a:cubicBezTo>
-                  <a:pt x="6874805" y="5835913"/>
-                  <a:pt x="6593917" y="5824488"/>
-                  <a:pt x="6312830" y="5849900"/>
-                </a:cubicBezTo>
-                <a:lnTo>
-                  <a:pt x="6232577" y="5855788"/>
-                </a:lnTo>
-                <a:lnTo>
-                  <a:pt x="6231985" y="5855764"/>
-                </a:lnTo>
-                <a:lnTo>
-                  <a:pt x="6166003" y="5858572"/>
-                </a:lnTo>
-                <a:cubicBezTo>
-                  <a:pt x="6100624" y="5861901"/>
-                  <a:pt x="6043822" y="5864887"/>
-                  <a:pt x="5993271" y="5866513"/>
-                </a:cubicBezTo>
-                <a:lnTo>
-                  <a:pt x="5925657" y="5866398"/>
-                </a:lnTo>
-                <a:lnTo>
-                  <a:pt x="5833706" y="5859695"/>
-                </a:lnTo>
-                <a:cubicBezTo>
-                  <a:pt x="5697214" y="5841788"/>
-                  <a:pt x="5559607" y="5838897"/>
-                  <a:pt x="5422657" y="5851067"/>
-                </a:cubicBezTo>
-                <a:lnTo>
-                  <a:pt x="5250035" y="5858044"/>
-                </a:lnTo>
-                <a:lnTo>
-                  <a:pt x="5151093" y="5858278"/>
-                </a:lnTo>
-                <a:lnTo>
-                  <a:pt x="4972680" y="5851067"/>
-                </a:lnTo>
-                <a:cubicBezTo>
-                  <a:pt x="4829141" y="5841741"/>
-                  <a:pt x="4685204" y="5826120"/>
-                  <a:pt x="4542066" y="5842905"/>
-                </a:cubicBezTo>
-                <a:cubicBezTo>
-                  <a:pt x="4491758" y="5848734"/>
-                  <a:pt x="4441488" y="5852626"/>
-                  <a:pt x="4391242" y="5854962"/>
-                </a:cubicBezTo>
-                <a:lnTo>
-                  <a:pt x="4246482" y="5857576"/>
-                </a:lnTo>
-                <a:lnTo>
-                  <a:pt x="4221030" y="5856572"/>
-                </a:lnTo>
-                <a:lnTo>
-                  <a:pt x="4218005" y="5856681"/>
-                </a:lnTo>
-                <a:lnTo>
-                  <a:pt x="3939367" y="5844305"/>
-                </a:lnTo>
-                <a:cubicBezTo>
-                  <a:pt x="3773470" y="5832648"/>
-                  <a:pt x="3606974" y="5815626"/>
-                  <a:pt x="3441875" y="5843140"/>
-                </a:cubicBezTo>
-                <a:cubicBezTo>
-                  <a:pt x="3386806" y="5851400"/>
-                  <a:pt x="3331601" y="5858126"/>
-                  <a:pt x="3276306" y="5863318"/>
-                </a:cubicBezTo>
-                <a:lnTo>
-                  <a:pt x="3225006" y="5866706"/>
-                </a:lnTo>
-                <a:lnTo>
-                  <a:pt x="3194056" y="5866407"/>
-                </a:lnTo>
-                <a:lnTo>
-                  <a:pt x="3082891" y="5863061"/>
-                </a:lnTo>
-                <a:lnTo>
-                  <a:pt x="3013959" y="5869302"/>
-                </a:lnTo>
-                <a:cubicBezTo>
-                  <a:pt x="2910698" y="5871464"/>
-                  <a:pt x="2845426" y="5852913"/>
-                  <a:pt x="2748311" y="5858572"/>
-                </a:cubicBezTo>
-                <a:cubicBezTo>
-                  <a:pt x="2736171" y="5859279"/>
-                  <a:pt x="2721419" y="5860082"/>
-                  <a:pt x="2704411" y="5860936"/>
-                </a:cubicBezTo>
-                <a:lnTo>
-                  <a:pt x="2650475" y="5863440"/>
-                </a:lnTo>
-                <a:lnTo>
-                  <a:pt x="2436349" y="5854816"/>
-                </a:lnTo>
-                <a:cubicBezTo>
-                  <a:pt x="2095150" y="5845165"/>
-                  <a:pt x="1753811" y="5845122"/>
-                  <a:pt x="1412584" y="5830782"/>
-                </a:cubicBezTo>
-                <a:cubicBezTo>
-                  <a:pt x="1262458" y="5824256"/>
-                  <a:pt x="1113131" y="5859227"/>
-                  <a:pt x="963404" y="5861093"/>
-                </a:cubicBezTo>
-                <a:cubicBezTo>
-                  <a:pt x="896140" y="5861967"/>
-                  <a:pt x="828812" y="5861342"/>
-                  <a:pt x="761431" y="5859896"/>
-                </a:cubicBezTo>
-                <a:lnTo>
-                  <a:pt x="637698" y="5856158"/>
-                </a:lnTo>
-                <a:lnTo>
-                  <a:pt x="592997" y="5853711"/>
-                </a:lnTo>
-                <a:cubicBezTo>
-                  <a:pt x="391136" y="5830428"/>
-                  <a:pt x="227663" y="5724844"/>
-                  <a:pt x="123577" y="5564333"/>
-                </a:cubicBezTo>
-                <a:lnTo>
-                  <a:pt x="99502" y="5518240"/>
-                </a:lnTo>
-                <a:lnTo>
-                  <a:pt x="95609" y="5512764"/>
-                </a:lnTo>
-                <a:lnTo>
-                  <a:pt x="86221" y="5492812"/>
-                </a:lnTo>
-                <a:lnTo>
-                  <a:pt x="61763" y="5445986"/>
-                </a:lnTo>
-                <a:lnTo>
-                  <a:pt x="56991" y="5430695"/>
-                </a:lnTo>
-                <a:lnTo>
-                  <a:pt x="41922" y="5398673"/>
-                </a:lnTo>
-                <a:lnTo>
-                  <a:pt x="25760" y="5339273"/>
-                </a:lnTo>
-                <a:lnTo>
-                  <a:pt x="16811" y="5271956"/>
-                </a:lnTo>
-                <a:cubicBezTo>
-                  <a:pt x="9305" y="5238090"/>
-                  <a:pt x="4710" y="5203585"/>
-                  <a:pt x="3092" y="5168860"/>
-                </a:cubicBezTo>
-                <a:cubicBezTo>
-                  <a:pt x="-7132" y="5042101"/>
-                  <a:pt x="10081" y="4917108"/>
-                  <a:pt x="24446" y="4791844"/>
-                </a:cubicBezTo>
-                <a:cubicBezTo>
-                  <a:pt x="34023" y="4712006"/>
-                  <a:pt x="48647" y="4631352"/>
-                  <a:pt x="24446" y="4552331"/>
-                </a:cubicBezTo>
-                <a:cubicBezTo>
-                  <a:pt x="7867" y="4497261"/>
-                  <a:pt x="4180" y="4438805"/>
-                  <a:pt x="13705" y="4381912"/>
-                </a:cubicBezTo>
-                <a:cubicBezTo>
-                  <a:pt x="29766" y="4280940"/>
-                  <a:pt x="33117" y="4178184"/>
-                  <a:pt x="23670" y="4076300"/>
-                </a:cubicBezTo>
-                <a:cubicBezTo>
-                  <a:pt x="17432" y="4009125"/>
-                  <a:pt x="18390" y="3941419"/>
-                  <a:pt x="26517" y="3874462"/>
-                </a:cubicBezTo>
-                <a:cubicBezTo>
-                  <a:pt x="37258" y="3784423"/>
-                  <a:pt x="53954" y="3692752"/>
-                  <a:pt x="33635" y="3602444"/>
-                </a:cubicBezTo>
-                <a:cubicBezTo>
-                  <a:pt x="1280" y="3458954"/>
-                  <a:pt x="7751" y="3315599"/>
-                  <a:pt x="20694" y="3171022"/>
-                </a:cubicBezTo>
-                <a:cubicBezTo>
-                  <a:pt x="30400" y="3063439"/>
-                  <a:pt x="41141" y="2954632"/>
-                  <a:pt x="21728" y="2845824"/>
-                </a:cubicBezTo>
-                <a:cubicBezTo>
-                  <a:pt x="13381" y="2795337"/>
-                  <a:pt x="13381" y="2743709"/>
-                  <a:pt x="21728" y="2693221"/>
-                </a:cubicBezTo>
-                <a:cubicBezTo>
-                  <a:pt x="31823" y="2625218"/>
-                  <a:pt x="41400" y="2557892"/>
-                  <a:pt x="28458" y="2489208"/>
-                </a:cubicBezTo>
-                <a:cubicBezTo>
-                  <a:pt x="22764" y="2459285"/>
-                  <a:pt x="18493" y="2429092"/>
-                  <a:pt x="15516" y="2398898"/>
-                </a:cubicBezTo>
-                <a:cubicBezTo>
-                  <a:pt x="9589" y="2321809"/>
-                  <a:pt x="11711" y="2244283"/>
-                  <a:pt x="21857" y="2167683"/>
-                </a:cubicBezTo>
-                <a:cubicBezTo>
-                  <a:pt x="31564" y="2078733"/>
-                  <a:pt x="15776" y="1989238"/>
-                  <a:pt x="28717" y="1900560"/>
-                </a:cubicBezTo>
-                <a:cubicBezTo>
-                  <a:pt x="37907" y="1829142"/>
-                  <a:pt x="38255" y="1756772"/>
-                  <a:pt x="29752" y="1685258"/>
-                </a:cubicBezTo>
-                <a:cubicBezTo>
-                  <a:pt x="14456" y="1550065"/>
-                  <a:pt x="15412" y="1413389"/>
-                  <a:pt x="32599" y="1278454"/>
-                </a:cubicBezTo>
-                <a:cubicBezTo>
-                  <a:pt x="43212" y="1199704"/>
-                  <a:pt x="49294" y="1118644"/>
-                  <a:pt x="30270" y="1041390"/>
-                </a:cubicBezTo>
-                <a:cubicBezTo>
-                  <a:pt x="-14509" y="859818"/>
-                  <a:pt x="11634" y="677973"/>
-                  <a:pt x="30270" y="497354"/>
-                </a:cubicBezTo>
-                <a:lnTo>
-                  <a:pt x="31725" y="472895"/>
-                </a:lnTo>
-                <a:lnTo>
-                  <a:pt x="43781" y="427827"/>
-                </a:lnTo>
-                <a:lnTo>
-                  <a:pt x="50994" y="413476"/>
-                </a:lnTo>
-                <a:lnTo>
-                  <a:pt x="58372" y="387895"/>
-                </a:lnTo>
-                <a:cubicBezTo>
-                  <a:pt x="111660" y="254431"/>
-                  <a:pt x="198390" y="154469"/>
-                  <a:pt x="306361" y="90092"/>
-                </a:cubicBezTo>
-                <a:lnTo>
-                  <a:pt x="343340" y="71955"/>
-                </a:lnTo>
-                <a:lnTo>
-                  <a:pt x="451947" y="55771"/>
-                </a:lnTo>
-                <a:lnTo>
-                  <a:pt x="480681" y="50638"/>
-                </a:lnTo>
-                <a:lnTo>
-                  <a:pt x="500476" y="51097"/>
-                </a:lnTo>
-                <a:cubicBezTo>
-                  <a:pt x="614729" y="49684"/>
-                  <a:pt x="728933" y="43772"/>
-                  <a:pt x="843024" y="32056"/>
-                </a:cubicBezTo>
-                <a:cubicBezTo>
-                  <a:pt x="1123212" y="7156"/>
-                  <a:pt x="1404499" y="3566"/>
-                  <a:pt x="1685086" y="21332"/>
-                </a:cubicBezTo>
-                <a:cubicBezTo>
-                  <a:pt x="1938623" y="33688"/>
-                  <a:pt x="2191759" y="64000"/>
-                  <a:pt x="2445896" y="38121"/>
-                </a:cubicBezTo>
-                <a:cubicBezTo>
-                  <a:pt x="2489616" y="33690"/>
-                  <a:pt x="2532937" y="26111"/>
-                  <a:pt x="2576333" y="19030"/>
-                </a:cubicBezTo>
-                <a:lnTo>
-                  <a:pt x="2696353" y="4251"/>
-                </a:lnTo>
-                <a:lnTo>
-                  <a:pt x="2745536" y="5232"/>
-                </a:lnTo>
-                <a:cubicBezTo>
-                  <a:pt x="2818993" y="6452"/>
-                  <a:pt x="2887864" y="7004"/>
-                  <a:pt x="2947014" y="5793"/>
-                </a:cubicBezTo>
-                <a:cubicBezTo>
-                  <a:pt x="3006163" y="4584"/>
-                  <a:pt x="3060036" y="3178"/>
-                  <a:pt x="3110399" y="1949"/>
-                </a:cubicBezTo>
-                <a:lnTo>
-                  <a:pt x="3199002" y="221"/>
-                </a:lnTo>
-                <a:lnTo>
-                  <a:pt x="3325015" y="3583"/>
-                </a:lnTo>
-                <a:cubicBezTo>
-                  <a:pt x="3530714" y="12997"/>
-                  <a:pt x="3736239" y="28910"/>
-                  <a:pt x="3941762" y="43248"/>
-                </a:cubicBezTo>
-                <a:cubicBezTo>
-                  <a:pt x="4091489" y="53739"/>
-                  <a:pt x="4241215" y="66563"/>
-                  <a:pt x="4390942" y="37886"/>
-                </a:cubicBezTo>
-                <a:cubicBezTo>
-                  <a:pt x="4517292" y="15154"/>
-                  <a:pt x="4645537" y="10467"/>
-                  <a:pt x="4772844" y="23896"/>
-                </a:cubicBezTo>
-                <a:cubicBezTo>
-                  <a:pt x="4885597" y="37327"/>
-                  <a:pt x="4999052" y="40520"/>
-                  <a:pt x="5112224" y="33456"/>
-                </a:cubicBezTo>
-                <a:lnTo>
-                  <a:pt x="5477482" y="6922"/>
-                </a:lnTo>
-                <a:lnTo>
-                  <a:pt x="5517883" y="7607"/>
-                </a:lnTo>
-                <a:lnTo>
-                  <a:pt x="5555683" y="6426"/>
-                </a:lnTo>
-                <a:cubicBezTo>
-                  <a:pt x="5626335" y="3737"/>
-                  <a:pt x="5704795" y="995"/>
-                  <a:pt x="5791061" y="218"/>
-                </a:cubicBezTo>
-                <a:close/>
-              </a:path>
-            </a:pathLst>
-          </a:custGeom>
-        </p:spPr>
-      </p:pic>
-    </p:spTree>
-    <p:extLst>
-      <p:ext uri="{BB962C8B-B14F-4D97-AF65-F5344CB8AC3E}">
-        <p14:creationId xmlns:p14="http://schemas.microsoft.com/office/powerpoint/2010/main" val="2979904204"/>
-      </p:ext>
-    </p:extLst>
-  </p:cSld>
-  <p:clrMapOvr>
-    <a:masterClrMapping/>
-  </p:clrMapOvr>
-</p:sld>
-</file>
-
-<file path=ppt/slides/slide19.xml><?xml version="1.0" encoding="utf-8"?>
-<p:sld xmlns:a="http://schemas.openxmlformats.org/drawingml/2006/main" xmlns:r="http://schemas.openxmlformats.org/officeDocument/2006/relationships" xmlns:p="http://schemas.openxmlformats.org/presentationml/2006/main">
-  <p:cSld>
-    <p:bg>
-      <p:bgPr>
-        <a:solidFill>
-          <a:schemeClr val="bg1"/>
-        </a:solidFill>
-        <a:effectLst/>
-      </p:bgPr>
-    </p:bg>
-    <p:spTree>
-      <p:nvGrpSpPr>
-        <p:cNvPr id="1" name=""/>
-        <p:cNvGrpSpPr/>
-        <p:nvPr/>
-      </p:nvGrpSpPr>
-      <p:grpSpPr>
-        <a:xfrm>
-          <a:off x="0" y="0"/>
-          <a:ext cx="0" cy="0"/>
-          <a:chOff x="0" y="0"/>
-          <a:chExt cx="0" cy="0"/>
-        </a:xfrm>
-      </p:grpSpPr>
-      <p:sp>
-        <p:nvSpPr>
-          <p:cNvPr id="8" name="Rectangle 7">
+      <p:sp>
+        <p:nvSpPr>
+          <p:cNvPr id="10" name="Rectangle 9">
             <a:extLst>
               <a:ext uri="{FF2B5EF4-FFF2-40B4-BE49-F238E27FC236}">
                 <a16:creationId xmlns:a16="http://schemas.microsoft.com/office/drawing/2014/main" id="{42A4FC2C-047E-45A5-965D-8E1E3BF09BC6}"/>
@@ -7011,6 +6107,234 @@
       </p:sp>
       <p:pic>
         <p:nvPicPr>
+          <p:cNvPr id="5" name="Picture 4" descr="Chart, waterfall chart&#10;&#10;Description automatically generated">
+            <a:extLst>
+              <a:ext uri="{FF2B5EF4-FFF2-40B4-BE49-F238E27FC236}">
+                <a16:creationId xmlns:a16="http://schemas.microsoft.com/office/drawing/2014/main" id="{037116B9-048F-3F4D-5935-9824DE03F9C3}"/>
+              </a:ext>
+            </a:extLst>
+          </p:cNvPr>
+          <p:cNvPicPr>
+            <a:picLocks noChangeAspect="1"/>
+          </p:cNvPicPr>
+          <p:nvPr/>
+        </p:nvPicPr>
+        <p:blipFill rotWithShape="1">
+          <a:blip r:embed="rId2">
+            <a:extLst>
+              <a:ext uri="{28A0092B-C50C-407E-A947-70E740481C1C}">
+                <a14:useLocalDpi xmlns:a14="http://schemas.microsoft.com/office/drawing/2010/main" val="0"/>
+              </a:ext>
+            </a:extLst>
+          </a:blip>
+          <a:srcRect l="2649" r="-1" b="-1"/>
+          <a:stretch/>
+        </p:blipFill>
+        <p:spPr>
+          <a:xfrm>
+            <a:off x="20" y="1282"/>
+            <a:ext cx="12191980" cy="6856718"/>
+          </a:xfrm>
+          <a:prstGeom prst="rect">
+            <a:avLst/>
+          </a:prstGeom>
+        </p:spPr>
+      </p:pic>
+    </p:spTree>
+    <p:extLst>
+      <p:ext uri="{BB962C8B-B14F-4D97-AF65-F5344CB8AC3E}">
+        <p14:creationId xmlns:p14="http://schemas.microsoft.com/office/powerpoint/2010/main" val="2979904204"/>
+      </p:ext>
+    </p:extLst>
+  </p:cSld>
+  <p:clrMapOvr>
+    <a:masterClrMapping/>
+  </p:clrMapOvr>
+</p:sld>
+</file>
+
+<file path=ppt/slides/slide18.xml><?xml version="1.0" encoding="utf-8"?>
+<p:sld xmlns:a="http://schemas.openxmlformats.org/drawingml/2006/main" xmlns:r="http://schemas.openxmlformats.org/officeDocument/2006/relationships" xmlns:p="http://schemas.openxmlformats.org/presentationml/2006/main">
+  <p:cSld>
+    <p:bg>
+      <p:bgPr>
+        <a:solidFill>
+          <a:schemeClr val="bg1"/>
+        </a:solidFill>
+        <a:effectLst/>
+      </p:bgPr>
+    </p:bg>
+    <p:spTree>
+      <p:nvGrpSpPr>
+        <p:cNvPr id="1" name=""/>
+        <p:cNvGrpSpPr/>
+        <p:nvPr/>
+      </p:nvGrpSpPr>
+      <p:grpSpPr>
+        <a:xfrm>
+          <a:off x="0" y="0"/>
+          <a:ext cx="0" cy="0"/>
+          <a:chOff x="0" y="0"/>
+          <a:chExt cx="0" cy="0"/>
+        </a:xfrm>
+      </p:grpSpPr>
+      <p:sp>
+        <p:nvSpPr>
+          <p:cNvPr id="8" name="Rectangle 7">
+            <a:extLst>
+              <a:ext uri="{FF2B5EF4-FFF2-40B4-BE49-F238E27FC236}">
+                <a16:creationId xmlns:a16="http://schemas.microsoft.com/office/drawing/2014/main" id="{42A4FC2C-047E-45A5-965D-8E1E3BF09BC6}"/>
+              </a:ext>
+              <a:ext uri="{C183D7F6-B498-43B3-948B-1728B52AA6E4}">
+                <adec:decorative xmlns:adec="http://schemas.microsoft.com/office/drawing/2017/decorative" val="1"/>
+              </a:ext>
+            </a:extLst>
+          </p:cNvPr>
+          <p:cNvSpPr>
+            <a:spLocks noGrp="1" noRot="1" noChangeAspect="1" noMove="1" noResize="1" noEditPoints="1" noAdjustHandles="1" noChangeArrowheads="1" noChangeShapeType="1" noTextEdit="1"/>
+          </p:cNvSpPr>
+          <p:nvPr>
+            <p:extLst>
+              <p:ext uri="{386F3935-93C4-4BCD-93E2-E3B085C9AB24}">
+                <p16:designElem xmlns:p16="http://schemas.microsoft.com/office/powerpoint/2015/main" val="1"/>
+              </p:ext>
+            </p:extLst>
+          </p:nvPr>
+        </p:nvSpPr>
+        <p:spPr bwMode="white">
+          <a:xfrm>
+            <a:off x="1524" y="0"/>
+            <a:ext cx="12188952" cy="6858000"/>
+          </a:xfrm>
+          <a:prstGeom prst="rect">
+            <a:avLst/>
+          </a:prstGeom>
+          <a:noFill/>
+          <a:ln>
+            <a:noFill/>
+          </a:ln>
+        </p:spPr>
+        <p:style>
+          <a:lnRef idx="2">
+            <a:schemeClr val="accent1">
+              <a:shade val="50000"/>
+            </a:schemeClr>
+          </a:lnRef>
+          <a:fillRef idx="1">
+            <a:schemeClr val="accent1"/>
+          </a:fillRef>
+          <a:effectRef idx="0">
+            <a:schemeClr val="accent1"/>
+          </a:effectRef>
+          <a:fontRef idx="minor">
+            <a:schemeClr val="lt1"/>
+          </a:fontRef>
+        </p:style>
+        <p:txBody>
+          <a:bodyPr rtlCol="0" anchor="ctr"/>
+          <a:lstStyle>
+            <a:defPPr>
+              <a:defRPr lang="en-US"/>
+            </a:defPPr>
+            <a:lvl1pPr marL="0" algn="l" defTabSz="914400" rtl="0" eaLnBrk="1" latinLnBrk="0" hangingPunct="1">
+              <a:defRPr sz="1800" kern="1200">
+                <a:solidFill>
+                  <a:schemeClr val="lt1"/>
+                </a:solidFill>
+                <a:latin typeface="+mn-lt"/>
+                <a:ea typeface="+mn-ea"/>
+                <a:cs typeface="+mn-cs"/>
+              </a:defRPr>
+            </a:lvl1pPr>
+            <a:lvl2pPr marL="457200" algn="l" defTabSz="914400" rtl="0" eaLnBrk="1" latinLnBrk="0" hangingPunct="1">
+              <a:defRPr sz="1800" kern="1200">
+                <a:solidFill>
+                  <a:schemeClr val="lt1"/>
+                </a:solidFill>
+                <a:latin typeface="+mn-lt"/>
+                <a:ea typeface="+mn-ea"/>
+                <a:cs typeface="+mn-cs"/>
+              </a:defRPr>
+            </a:lvl2pPr>
+            <a:lvl3pPr marL="914400" algn="l" defTabSz="914400" rtl="0" eaLnBrk="1" latinLnBrk="0" hangingPunct="1">
+              <a:defRPr sz="1800" kern="1200">
+                <a:solidFill>
+                  <a:schemeClr val="lt1"/>
+                </a:solidFill>
+                <a:latin typeface="+mn-lt"/>
+                <a:ea typeface="+mn-ea"/>
+                <a:cs typeface="+mn-cs"/>
+              </a:defRPr>
+            </a:lvl3pPr>
+            <a:lvl4pPr marL="1371600" algn="l" defTabSz="914400" rtl="0" eaLnBrk="1" latinLnBrk="0" hangingPunct="1">
+              <a:defRPr sz="1800" kern="1200">
+                <a:solidFill>
+                  <a:schemeClr val="lt1"/>
+                </a:solidFill>
+                <a:latin typeface="+mn-lt"/>
+                <a:ea typeface="+mn-ea"/>
+                <a:cs typeface="+mn-cs"/>
+              </a:defRPr>
+            </a:lvl4pPr>
+            <a:lvl5pPr marL="1828800" algn="l" defTabSz="914400" rtl="0" eaLnBrk="1" latinLnBrk="0" hangingPunct="1">
+              <a:defRPr sz="1800" kern="1200">
+                <a:solidFill>
+                  <a:schemeClr val="lt1"/>
+                </a:solidFill>
+                <a:latin typeface="+mn-lt"/>
+                <a:ea typeface="+mn-ea"/>
+                <a:cs typeface="+mn-cs"/>
+              </a:defRPr>
+            </a:lvl5pPr>
+            <a:lvl6pPr marL="2286000" algn="l" defTabSz="914400" rtl="0" eaLnBrk="1" latinLnBrk="0" hangingPunct="1">
+              <a:defRPr sz="1800" kern="1200">
+                <a:solidFill>
+                  <a:schemeClr val="lt1"/>
+                </a:solidFill>
+                <a:latin typeface="+mn-lt"/>
+                <a:ea typeface="+mn-ea"/>
+                <a:cs typeface="+mn-cs"/>
+              </a:defRPr>
+            </a:lvl6pPr>
+            <a:lvl7pPr marL="2743200" algn="l" defTabSz="914400" rtl="0" eaLnBrk="1" latinLnBrk="0" hangingPunct="1">
+              <a:defRPr sz="1800" kern="1200">
+                <a:solidFill>
+                  <a:schemeClr val="lt1"/>
+                </a:solidFill>
+                <a:latin typeface="+mn-lt"/>
+                <a:ea typeface="+mn-ea"/>
+                <a:cs typeface="+mn-cs"/>
+              </a:defRPr>
+            </a:lvl7pPr>
+            <a:lvl8pPr marL="3200400" algn="l" defTabSz="914400" rtl="0" eaLnBrk="1" latinLnBrk="0" hangingPunct="1">
+              <a:defRPr sz="1800" kern="1200">
+                <a:solidFill>
+                  <a:schemeClr val="lt1"/>
+                </a:solidFill>
+                <a:latin typeface="+mn-lt"/>
+                <a:ea typeface="+mn-ea"/>
+                <a:cs typeface="+mn-cs"/>
+              </a:defRPr>
+            </a:lvl8pPr>
+            <a:lvl9pPr marL="3657600" algn="l" defTabSz="914400" rtl="0" eaLnBrk="1" latinLnBrk="0" hangingPunct="1">
+              <a:defRPr sz="1800" kern="1200">
+                <a:solidFill>
+                  <a:schemeClr val="lt1"/>
+                </a:solidFill>
+                <a:latin typeface="+mn-lt"/>
+                <a:ea typeface="+mn-ea"/>
+                <a:cs typeface="+mn-cs"/>
+              </a:defRPr>
+            </a:lvl9pPr>
+          </a:lstStyle>
+          <a:p>
+            <a:pPr algn="ctr"/>
+            <a:endParaRPr lang="en-US"/>
+          </a:p>
+        </p:txBody>
+      </p:sp>
+      <p:pic>
+        <p:nvPicPr>
           <p:cNvPr id="3" name="Picture 2" descr="Chart, waterfall chart&#10;&#10;Description automatically generated">
             <a:extLst>
               <a:ext uri="{FF2B5EF4-FFF2-40B4-BE49-F238E27FC236}">
@@ -7048,6 +6372,234 @@
     <p:extLst>
       <p:ext uri="{BB962C8B-B14F-4D97-AF65-F5344CB8AC3E}">
         <p14:creationId xmlns:p14="http://schemas.microsoft.com/office/powerpoint/2010/main" val="1153331840"/>
+      </p:ext>
+    </p:extLst>
+  </p:cSld>
+  <p:clrMapOvr>
+    <a:masterClrMapping/>
+  </p:clrMapOvr>
+</p:sld>
+</file>
+
+<file path=ppt/slides/slide19.xml><?xml version="1.0" encoding="utf-8"?>
+<p:sld xmlns:a="http://schemas.openxmlformats.org/drawingml/2006/main" xmlns:r="http://schemas.openxmlformats.org/officeDocument/2006/relationships" xmlns:p="http://schemas.openxmlformats.org/presentationml/2006/main">
+  <p:cSld>
+    <p:bg>
+      <p:bgPr>
+        <a:solidFill>
+          <a:schemeClr val="bg1"/>
+        </a:solidFill>
+        <a:effectLst/>
+      </p:bgPr>
+    </p:bg>
+    <p:spTree>
+      <p:nvGrpSpPr>
+        <p:cNvPr id="1" name=""/>
+        <p:cNvGrpSpPr/>
+        <p:nvPr/>
+      </p:nvGrpSpPr>
+      <p:grpSpPr>
+        <a:xfrm>
+          <a:off x="0" y="0"/>
+          <a:ext cx="0" cy="0"/>
+          <a:chOff x="0" y="0"/>
+          <a:chExt cx="0" cy="0"/>
+        </a:xfrm>
+      </p:grpSpPr>
+      <p:sp>
+        <p:nvSpPr>
+          <p:cNvPr id="8" name="Rectangle 7">
+            <a:extLst>
+              <a:ext uri="{FF2B5EF4-FFF2-40B4-BE49-F238E27FC236}">
+                <a16:creationId xmlns:a16="http://schemas.microsoft.com/office/drawing/2014/main" id="{42A4FC2C-047E-45A5-965D-8E1E3BF09BC6}"/>
+              </a:ext>
+              <a:ext uri="{C183D7F6-B498-43B3-948B-1728B52AA6E4}">
+                <adec:decorative xmlns:adec="http://schemas.microsoft.com/office/drawing/2017/decorative" val="1"/>
+              </a:ext>
+            </a:extLst>
+          </p:cNvPr>
+          <p:cNvSpPr>
+            <a:spLocks noGrp="1" noRot="1" noChangeAspect="1" noMove="1" noResize="1" noEditPoints="1" noAdjustHandles="1" noChangeArrowheads="1" noChangeShapeType="1" noTextEdit="1"/>
+          </p:cNvSpPr>
+          <p:nvPr>
+            <p:extLst>
+              <p:ext uri="{386F3935-93C4-4BCD-93E2-E3B085C9AB24}">
+                <p16:designElem xmlns:p16="http://schemas.microsoft.com/office/powerpoint/2015/main" val="1"/>
+              </p:ext>
+            </p:extLst>
+          </p:nvPr>
+        </p:nvSpPr>
+        <p:spPr bwMode="white">
+          <a:xfrm>
+            <a:off x="1524" y="0"/>
+            <a:ext cx="12188952" cy="6858000"/>
+          </a:xfrm>
+          <a:prstGeom prst="rect">
+            <a:avLst/>
+          </a:prstGeom>
+          <a:noFill/>
+          <a:ln>
+            <a:noFill/>
+          </a:ln>
+        </p:spPr>
+        <p:style>
+          <a:lnRef idx="2">
+            <a:schemeClr val="accent1">
+              <a:shade val="50000"/>
+            </a:schemeClr>
+          </a:lnRef>
+          <a:fillRef idx="1">
+            <a:schemeClr val="accent1"/>
+          </a:fillRef>
+          <a:effectRef idx="0">
+            <a:schemeClr val="accent1"/>
+          </a:effectRef>
+          <a:fontRef idx="minor">
+            <a:schemeClr val="lt1"/>
+          </a:fontRef>
+        </p:style>
+        <p:txBody>
+          <a:bodyPr rtlCol="0" anchor="ctr"/>
+          <a:lstStyle>
+            <a:defPPr>
+              <a:defRPr lang="en-US"/>
+            </a:defPPr>
+            <a:lvl1pPr marL="0" algn="l" defTabSz="914400" rtl="0" eaLnBrk="1" latinLnBrk="0" hangingPunct="1">
+              <a:defRPr sz="1800" kern="1200">
+                <a:solidFill>
+                  <a:schemeClr val="lt1"/>
+                </a:solidFill>
+                <a:latin typeface="+mn-lt"/>
+                <a:ea typeface="+mn-ea"/>
+                <a:cs typeface="+mn-cs"/>
+              </a:defRPr>
+            </a:lvl1pPr>
+            <a:lvl2pPr marL="457200" algn="l" defTabSz="914400" rtl="0" eaLnBrk="1" latinLnBrk="0" hangingPunct="1">
+              <a:defRPr sz="1800" kern="1200">
+                <a:solidFill>
+                  <a:schemeClr val="lt1"/>
+                </a:solidFill>
+                <a:latin typeface="+mn-lt"/>
+                <a:ea typeface="+mn-ea"/>
+                <a:cs typeface="+mn-cs"/>
+              </a:defRPr>
+            </a:lvl2pPr>
+            <a:lvl3pPr marL="914400" algn="l" defTabSz="914400" rtl="0" eaLnBrk="1" latinLnBrk="0" hangingPunct="1">
+              <a:defRPr sz="1800" kern="1200">
+                <a:solidFill>
+                  <a:schemeClr val="lt1"/>
+                </a:solidFill>
+                <a:latin typeface="+mn-lt"/>
+                <a:ea typeface="+mn-ea"/>
+                <a:cs typeface="+mn-cs"/>
+              </a:defRPr>
+            </a:lvl3pPr>
+            <a:lvl4pPr marL="1371600" algn="l" defTabSz="914400" rtl="0" eaLnBrk="1" latinLnBrk="0" hangingPunct="1">
+              <a:defRPr sz="1800" kern="1200">
+                <a:solidFill>
+                  <a:schemeClr val="lt1"/>
+                </a:solidFill>
+                <a:latin typeface="+mn-lt"/>
+                <a:ea typeface="+mn-ea"/>
+                <a:cs typeface="+mn-cs"/>
+              </a:defRPr>
+            </a:lvl4pPr>
+            <a:lvl5pPr marL="1828800" algn="l" defTabSz="914400" rtl="0" eaLnBrk="1" latinLnBrk="0" hangingPunct="1">
+              <a:defRPr sz="1800" kern="1200">
+                <a:solidFill>
+                  <a:schemeClr val="lt1"/>
+                </a:solidFill>
+                <a:latin typeface="+mn-lt"/>
+                <a:ea typeface="+mn-ea"/>
+                <a:cs typeface="+mn-cs"/>
+              </a:defRPr>
+            </a:lvl5pPr>
+            <a:lvl6pPr marL="2286000" algn="l" defTabSz="914400" rtl="0" eaLnBrk="1" latinLnBrk="0" hangingPunct="1">
+              <a:defRPr sz="1800" kern="1200">
+                <a:solidFill>
+                  <a:schemeClr val="lt1"/>
+                </a:solidFill>
+                <a:latin typeface="+mn-lt"/>
+                <a:ea typeface="+mn-ea"/>
+                <a:cs typeface="+mn-cs"/>
+              </a:defRPr>
+            </a:lvl6pPr>
+            <a:lvl7pPr marL="2743200" algn="l" defTabSz="914400" rtl="0" eaLnBrk="1" latinLnBrk="0" hangingPunct="1">
+              <a:defRPr sz="1800" kern="1200">
+                <a:solidFill>
+                  <a:schemeClr val="lt1"/>
+                </a:solidFill>
+                <a:latin typeface="+mn-lt"/>
+                <a:ea typeface="+mn-ea"/>
+                <a:cs typeface="+mn-cs"/>
+              </a:defRPr>
+            </a:lvl7pPr>
+            <a:lvl8pPr marL="3200400" algn="l" defTabSz="914400" rtl="0" eaLnBrk="1" latinLnBrk="0" hangingPunct="1">
+              <a:defRPr sz="1800" kern="1200">
+                <a:solidFill>
+                  <a:schemeClr val="lt1"/>
+                </a:solidFill>
+                <a:latin typeface="+mn-lt"/>
+                <a:ea typeface="+mn-ea"/>
+                <a:cs typeface="+mn-cs"/>
+              </a:defRPr>
+            </a:lvl8pPr>
+            <a:lvl9pPr marL="3657600" algn="l" defTabSz="914400" rtl="0" eaLnBrk="1" latinLnBrk="0" hangingPunct="1">
+              <a:defRPr sz="1800" kern="1200">
+                <a:solidFill>
+                  <a:schemeClr val="lt1"/>
+                </a:solidFill>
+                <a:latin typeface="+mn-lt"/>
+                <a:ea typeface="+mn-ea"/>
+                <a:cs typeface="+mn-cs"/>
+              </a:defRPr>
+            </a:lvl9pPr>
+          </a:lstStyle>
+          <a:p>
+            <a:pPr algn="ctr"/>
+            <a:endParaRPr lang="en-US"/>
+          </a:p>
+        </p:txBody>
+      </p:sp>
+      <p:pic>
+        <p:nvPicPr>
+          <p:cNvPr id="3" name="Picture 2" descr="Chart&#10;&#10;Description automatically generated">
+            <a:extLst>
+              <a:ext uri="{FF2B5EF4-FFF2-40B4-BE49-F238E27FC236}">
+                <a16:creationId xmlns:a16="http://schemas.microsoft.com/office/drawing/2014/main" id="{0E1BE1F6-DD44-9D1A-C250-1F4BD892263F}"/>
+              </a:ext>
+            </a:extLst>
+          </p:cNvPr>
+          <p:cNvPicPr>
+            <a:picLocks noChangeAspect="1"/>
+          </p:cNvPicPr>
+          <p:nvPr/>
+        </p:nvPicPr>
+        <p:blipFill rotWithShape="1">
+          <a:blip r:embed="rId2">
+            <a:extLst>
+              <a:ext uri="{28A0092B-C50C-407E-A947-70E740481C1C}">
+                <a14:useLocalDpi xmlns:a14="http://schemas.microsoft.com/office/drawing/2010/main" val="0"/>
+              </a:ext>
+            </a:extLst>
+          </a:blip>
+          <a:srcRect r="2648" b="-1"/>
+          <a:stretch/>
+        </p:blipFill>
+        <p:spPr>
+          <a:xfrm>
+            <a:off x="20" y="1282"/>
+            <a:ext cx="12191980" cy="6856718"/>
+          </a:xfrm>
+          <a:prstGeom prst="rect">
+            <a:avLst/>
+          </a:prstGeom>
+        </p:spPr>
+      </p:pic>
+    </p:spTree>
+    <p:extLst>
+      <p:ext uri="{BB962C8B-B14F-4D97-AF65-F5344CB8AC3E}">
+        <p14:creationId xmlns:p14="http://schemas.microsoft.com/office/powerpoint/2010/main" val="4058474171"/>
       </p:ext>
     </p:extLst>
   </p:cSld>
@@ -7357,7 +6909,7 @@
                 <a:latin typeface="Helvetica" panose="020B0604020202020204" pitchFamily="34" charset="0"/>
                 <a:cs typeface="Helvetica" panose="020B0604020202020204" pitchFamily="34" charset="0"/>
               </a:rPr>
-              <a:t>Introduction.</a:t>
+              <a:t>Proposal.</a:t>
             </a:r>
           </a:p>
           <a:p>
@@ -7474,34 +7026,6 @@
                 <a:cs typeface="Helvetica" panose="020B0604020202020204" pitchFamily="34" charset="0"/>
               </a:rPr>
               <a:t>Comments.</a:t>
-            </a:r>
-          </a:p>
-          <a:p>
-            <a:pPr marL="342900" marR="0" lvl="0" indent="-342900" algn="l" defTabSz="914400" rtl="0" eaLnBrk="0" fontAlgn="base" latinLnBrk="0" hangingPunct="0">
-              <a:lnSpc>
-                <a:spcPct val="150000"/>
-              </a:lnSpc>
-              <a:spcBef>
-                <a:spcPct val="0"/>
-              </a:spcBef>
-              <a:spcAft>
-                <a:spcPct val="0"/>
-              </a:spcAft>
-              <a:buClrTx/>
-              <a:buSzTx/>
-              <a:buFont typeface="+mj-lt"/>
-              <a:buAutoNum type="arabicPeriod"/>
-              <a:tabLst>
-                <a:tab pos="5724525" algn="r"/>
-              </a:tabLst>
-            </a:pPr>
-            <a:r>
-              <a:rPr lang="en-US" dirty="0">
-                <a:effectLst/>
-                <a:latin typeface="Helvetica" panose="020B0604020202020204" pitchFamily="34" charset="0"/>
-                <a:cs typeface="Helvetica" panose="020B0604020202020204" pitchFamily="34" charset="0"/>
-              </a:rPr>
-              <a:t>Questions?</a:t>
             </a:r>
             <a:br>
               <a:rPr lang="en-US" dirty="0">
@@ -7745,14 +7269,6 @@
 <file path=ppt/slides/slide20.xml><?xml version="1.0" encoding="utf-8"?>
 <p:sld xmlns:a="http://schemas.openxmlformats.org/drawingml/2006/main" xmlns:r="http://schemas.openxmlformats.org/officeDocument/2006/relationships" xmlns:p="http://schemas.openxmlformats.org/presentationml/2006/main">
   <p:cSld>
-    <p:bg>
-      <p:bgPr>
-        <a:solidFill>
-          <a:schemeClr val="bg1"/>
-        </a:solidFill>
-        <a:effectLst/>
-      </p:bgPr>
-    </p:bg>
     <p:spTree>
       <p:nvGrpSpPr>
         <p:cNvPr id="1" name=""/>
@@ -7769,226 +7285,6 @@
       </p:grpSpPr>
       <p:sp>
         <p:nvSpPr>
-          <p:cNvPr id="8" name="Rectangle 7">
-            <a:extLst>
-              <a:ext uri="{FF2B5EF4-FFF2-40B4-BE49-F238E27FC236}">
-                <a16:creationId xmlns:a16="http://schemas.microsoft.com/office/drawing/2014/main" id="{42A4FC2C-047E-45A5-965D-8E1E3BF09BC6}"/>
-              </a:ext>
-              <a:ext uri="{C183D7F6-B498-43B3-948B-1728B52AA6E4}">
-                <adec:decorative xmlns:adec="http://schemas.microsoft.com/office/drawing/2017/decorative" val="1"/>
-              </a:ext>
-            </a:extLst>
-          </p:cNvPr>
-          <p:cNvSpPr>
-            <a:spLocks noGrp="1" noRot="1" noChangeAspect="1" noMove="1" noResize="1" noEditPoints="1" noAdjustHandles="1" noChangeArrowheads="1" noChangeShapeType="1" noTextEdit="1"/>
-          </p:cNvSpPr>
-          <p:nvPr>
-            <p:extLst>
-              <p:ext uri="{386F3935-93C4-4BCD-93E2-E3B085C9AB24}">
-                <p16:designElem xmlns:p16="http://schemas.microsoft.com/office/powerpoint/2015/main" val="1"/>
-              </p:ext>
-            </p:extLst>
-          </p:nvPr>
-        </p:nvSpPr>
-        <p:spPr bwMode="white">
-          <a:xfrm>
-            <a:off x="1524" y="0"/>
-            <a:ext cx="12188952" cy="6858000"/>
-          </a:xfrm>
-          <a:prstGeom prst="rect">
-            <a:avLst/>
-          </a:prstGeom>
-          <a:noFill/>
-          <a:ln>
-            <a:noFill/>
-          </a:ln>
-        </p:spPr>
-        <p:style>
-          <a:lnRef idx="2">
-            <a:schemeClr val="accent1">
-              <a:shade val="50000"/>
-            </a:schemeClr>
-          </a:lnRef>
-          <a:fillRef idx="1">
-            <a:schemeClr val="accent1"/>
-          </a:fillRef>
-          <a:effectRef idx="0">
-            <a:schemeClr val="accent1"/>
-          </a:effectRef>
-          <a:fontRef idx="minor">
-            <a:schemeClr val="lt1"/>
-          </a:fontRef>
-        </p:style>
-        <p:txBody>
-          <a:bodyPr rtlCol="0" anchor="ctr"/>
-          <a:lstStyle>
-            <a:defPPr>
-              <a:defRPr lang="en-US"/>
-            </a:defPPr>
-            <a:lvl1pPr marL="0" algn="l" defTabSz="914400" rtl="0" eaLnBrk="1" latinLnBrk="0" hangingPunct="1">
-              <a:defRPr sz="1800" kern="1200">
-                <a:solidFill>
-                  <a:schemeClr val="lt1"/>
-                </a:solidFill>
-                <a:latin typeface="+mn-lt"/>
-                <a:ea typeface="+mn-ea"/>
-                <a:cs typeface="+mn-cs"/>
-              </a:defRPr>
-            </a:lvl1pPr>
-            <a:lvl2pPr marL="457200" algn="l" defTabSz="914400" rtl="0" eaLnBrk="1" latinLnBrk="0" hangingPunct="1">
-              <a:defRPr sz="1800" kern="1200">
-                <a:solidFill>
-                  <a:schemeClr val="lt1"/>
-                </a:solidFill>
-                <a:latin typeface="+mn-lt"/>
-                <a:ea typeface="+mn-ea"/>
-                <a:cs typeface="+mn-cs"/>
-              </a:defRPr>
-            </a:lvl2pPr>
-            <a:lvl3pPr marL="914400" algn="l" defTabSz="914400" rtl="0" eaLnBrk="1" latinLnBrk="0" hangingPunct="1">
-              <a:defRPr sz="1800" kern="1200">
-                <a:solidFill>
-                  <a:schemeClr val="lt1"/>
-                </a:solidFill>
-                <a:latin typeface="+mn-lt"/>
-                <a:ea typeface="+mn-ea"/>
-                <a:cs typeface="+mn-cs"/>
-              </a:defRPr>
-            </a:lvl3pPr>
-            <a:lvl4pPr marL="1371600" algn="l" defTabSz="914400" rtl="0" eaLnBrk="1" latinLnBrk="0" hangingPunct="1">
-              <a:defRPr sz="1800" kern="1200">
-                <a:solidFill>
-                  <a:schemeClr val="lt1"/>
-                </a:solidFill>
-                <a:latin typeface="+mn-lt"/>
-                <a:ea typeface="+mn-ea"/>
-                <a:cs typeface="+mn-cs"/>
-              </a:defRPr>
-            </a:lvl4pPr>
-            <a:lvl5pPr marL="1828800" algn="l" defTabSz="914400" rtl="0" eaLnBrk="1" latinLnBrk="0" hangingPunct="1">
-              <a:defRPr sz="1800" kern="1200">
-                <a:solidFill>
-                  <a:schemeClr val="lt1"/>
-                </a:solidFill>
-                <a:latin typeface="+mn-lt"/>
-                <a:ea typeface="+mn-ea"/>
-                <a:cs typeface="+mn-cs"/>
-              </a:defRPr>
-            </a:lvl5pPr>
-            <a:lvl6pPr marL="2286000" algn="l" defTabSz="914400" rtl="0" eaLnBrk="1" latinLnBrk="0" hangingPunct="1">
-              <a:defRPr sz="1800" kern="1200">
-                <a:solidFill>
-                  <a:schemeClr val="lt1"/>
-                </a:solidFill>
-                <a:latin typeface="+mn-lt"/>
-                <a:ea typeface="+mn-ea"/>
-                <a:cs typeface="+mn-cs"/>
-              </a:defRPr>
-            </a:lvl6pPr>
-            <a:lvl7pPr marL="2743200" algn="l" defTabSz="914400" rtl="0" eaLnBrk="1" latinLnBrk="0" hangingPunct="1">
-              <a:defRPr sz="1800" kern="1200">
-                <a:solidFill>
-                  <a:schemeClr val="lt1"/>
-                </a:solidFill>
-                <a:latin typeface="+mn-lt"/>
-                <a:ea typeface="+mn-ea"/>
-                <a:cs typeface="+mn-cs"/>
-              </a:defRPr>
-            </a:lvl7pPr>
-            <a:lvl8pPr marL="3200400" algn="l" defTabSz="914400" rtl="0" eaLnBrk="1" latinLnBrk="0" hangingPunct="1">
-              <a:defRPr sz="1800" kern="1200">
-                <a:solidFill>
-                  <a:schemeClr val="lt1"/>
-                </a:solidFill>
-                <a:latin typeface="+mn-lt"/>
-                <a:ea typeface="+mn-ea"/>
-                <a:cs typeface="+mn-cs"/>
-              </a:defRPr>
-            </a:lvl8pPr>
-            <a:lvl9pPr marL="3657600" algn="l" defTabSz="914400" rtl="0" eaLnBrk="1" latinLnBrk="0" hangingPunct="1">
-              <a:defRPr sz="1800" kern="1200">
-                <a:solidFill>
-                  <a:schemeClr val="lt1"/>
-                </a:solidFill>
-                <a:latin typeface="+mn-lt"/>
-                <a:ea typeface="+mn-ea"/>
-                <a:cs typeface="+mn-cs"/>
-              </a:defRPr>
-            </a:lvl9pPr>
-          </a:lstStyle>
-          <a:p>
-            <a:pPr algn="ctr"/>
-            <a:endParaRPr lang="en-US"/>
-          </a:p>
-        </p:txBody>
-      </p:sp>
-      <p:pic>
-        <p:nvPicPr>
-          <p:cNvPr id="3" name="Picture 2" descr="Chart&#10;&#10;Description automatically generated">
-            <a:extLst>
-              <a:ext uri="{FF2B5EF4-FFF2-40B4-BE49-F238E27FC236}">
-                <a16:creationId xmlns:a16="http://schemas.microsoft.com/office/drawing/2014/main" id="{0E1BE1F6-DD44-9D1A-C250-1F4BD892263F}"/>
-              </a:ext>
-            </a:extLst>
-          </p:cNvPr>
-          <p:cNvPicPr>
-            <a:picLocks noChangeAspect="1"/>
-          </p:cNvPicPr>
-          <p:nvPr/>
-        </p:nvPicPr>
-        <p:blipFill rotWithShape="1">
-          <a:blip r:embed="rId2">
-            <a:extLst>
-              <a:ext uri="{28A0092B-C50C-407E-A947-70E740481C1C}">
-                <a14:useLocalDpi xmlns:a14="http://schemas.microsoft.com/office/drawing/2010/main" val="0"/>
-              </a:ext>
-            </a:extLst>
-          </a:blip>
-          <a:srcRect r="2648" b="-1"/>
-          <a:stretch/>
-        </p:blipFill>
-        <p:spPr>
-          <a:xfrm>
-            <a:off x="20" y="1282"/>
-            <a:ext cx="12191980" cy="6856718"/>
-          </a:xfrm>
-          <a:prstGeom prst="rect">
-            <a:avLst/>
-          </a:prstGeom>
-        </p:spPr>
-      </p:pic>
-    </p:spTree>
-    <p:extLst>
-      <p:ext uri="{BB962C8B-B14F-4D97-AF65-F5344CB8AC3E}">
-        <p14:creationId xmlns:p14="http://schemas.microsoft.com/office/powerpoint/2010/main" val="4058474171"/>
-      </p:ext>
-    </p:extLst>
-  </p:cSld>
-  <p:clrMapOvr>
-    <a:masterClrMapping/>
-  </p:clrMapOvr>
-</p:sld>
-</file>
-
-<file path=ppt/slides/slide21.xml><?xml version="1.0" encoding="utf-8"?>
-<p:sld xmlns:a="http://schemas.openxmlformats.org/drawingml/2006/main" xmlns:r="http://schemas.openxmlformats.org/officeDocument/2006/relationships" xmlns:p="http://schemas.openxmlformats.org/presentationml/2006/main">
-  <p:cSld>
-    <p:spTree>
-      <p:nvGrpSpPr>
-        <p:cNvPr id="1" name=""/>
-        <p:cNvGrpSpPr/>
-        <p:nvPr/>
-      </p:nvGrpSpPr>
-      <p:grpSpPr>
-        <a:xfrm>
-          <a:off x="0" y="0"/>
-          <a:ext cx="0" cy="0"/>
-          <a:chOff x="0" y="0"/>
-          <a:chExt cx="0" cy="0"/>
-        </a:xfrm>
-      </p:grpSpPr>
-      <p:sp>
-        <p:nvSpPr>
           <p:cNvPr id="2" name="TextBox 1">
             <a:extLst>
               <a:ext uri="{FF2B5EF4-FFF2-40B4-BE49-F238E27FC236}">
@@ -8002,7 +7298,7 @@
         <p:spPr>
           <a:xfrm>
             <a:off x="120315" y="1515978"/>
-            <a:ext cx="11574380" cy="4801314"/>
+            <a:ext cx="10708105" cy="4801314"/>
           </a:xfrm>
           <a:prstGeom prst="rect">
             <a:avLst/>
@@ -8016,11 +7312,36 @@
           <a:lstStyle/>
           <a:p>
             <a:r>
+              <a:rPr lang="en-US" dirty="0">
+                <a:solidFill>
+                  <a:srgbClr val="1D1C1D"/>
+                </a:solidFill>
+                <a:latin typeface="Slack-Lato"/>
+              </a:rPr>
+              <a:t>    </a:t>
+            </a:r>
+            <a:r>
               <a:rPr lang="en-US" b="0" i="0" dirty="0">
+                <a:solidFill>
+                  <a:srgbClr val="1D1C1D"/>
+                </a:solidFill>
                 <a:effectLst/>
-                <a:latin typeface="-apple-system"/>
+                <a:latin typeface="Slack-Lato"/>
               </a:rPr>
-              <a:t>    As per our analysis , it is important to note that overall Canadian debt levels, particularly mortgage and credit card debt, have also increased during this time period. This highlights the need for Canadians to carefully manage their spending and debt levels, particularly in the areas of housing and credit card usage. Lastly, the data on Canadian household expenditures from 2012 to 2022 reveals several important trends in Canadian spending habits. While there has been an increase in the percentage of income spent on housing-related expenses, Canadians have also managed to increase their savings rate. However, the rise in overall debt levels, particularly in mortgage and credit card debt, suggests the need for Canadians to carefully manage their finances and debt levels.</a:t>
+              <a:t>As our analysis shows, Canadian credit card debt has been increasing since March 2021, as the pandemic has continued to affect the economy. It may be that case that many Canadians have found themselves struggling to make ends meet, as they deal with job losses, reduced hours, and other financial pressures.</a:t>
+            </a:r>
+            <a:br>
+              <a:rPr lang="en-US" dirty="0"/>
+            </a:br>
+            <a:r>
+              <a:rPr lang="en-US" b="0" i="0" dirty="0">
+                <a:solidFill>
+                  <a:srgbClr val="1D1C1D"/>
+                </a:solidFill>
+                <a:effectLst/>
+                <a:latin typeface="Slack-Lato"/>
+              </a:rPr>
+              <a:t>One major factor contributing to the increase in credit card debt is the rising cost of living. Inflation has been on the rise in Canada, with prices for essential goods and services, such as housing, food, and transportation, and fuel, all increasing. As a result, many Canadians have had to turn to credit cards to cover these costs, further increasing their debt.</a:t>
             </a:r>
           </a:p>
           <a:p>
@@ -8149,210 +7470,6 @@
     <p:extLst>
       <p:ext uri="{BB962C8B-B14F-4D97-AF65-F5344CB8AC3E}">
         <p14:creationId xmlns:p14="http://schemas.microsoft.com/office/powerpoint/2010/main" val="969885872"/>
-      </p:ext>
-    </p:extLst>
-  </p:cSld>
-  <p:clrMapOvr>
-    <a:masterClrMapping/>
-  </p:clrMapOvr>
-</p:sld>
-</file>
-
-<file path=ppt/slides/slide22.xml><?xml version="1.0" encoding="utf-8"?>
-<p:sld xmlns:a="http://schemas.openxmlformats.org/drawingml/2006/main" xmlns:r="http://schemas.openxmlformats.org/officeDocument/2006/relationships" xmlns:p="http://schemas.openxmlformats.org/presentationml/2006/main">
-  <p:cSld>
-    <p:spTree>
-      <p:nvGrpSpPr>
-        <p:cNvPr id="1" name=""/>
-        <p:cNvGrpSpPr/>
-        <p:nvPr/>
-      </p:nvGrpSpPr>
-      <p:grpSpPr>
-        <a:xfrm>
-          <a:off x="0" y="0"/>
-          <a:ext cx="0" cy="0"/>
-          <a:chOff x="0" y="0"/>
-          <a:chExt cx="0" cy="0"/>
-        </a:xfrm>
-      </p:grpSpPr>
-      <p:sp>
-        <p:nvSpPr>
-          <p:cNvPr id="3" name="Arrow: Pentagon 2">
-            <a:extLst>
-              <a:ext uri="{FF2B5EF4-FFF2-40B4-BE49-F238E27FC236}">
-                <a16:creationId xmlns:a16="http://schemas.microsoft.com/office/drawing/2014/main" id="{150AD974-237B-42EB-2B34-8ED3F7C58F5C}"/>
-              </a:ext>
-            </a:extLst>
-          </p:cNvPr>
-          <p:cNvSpPr/>
-          <p:nvPr/>
-        </p:nvSpPr>
-        <p:spPr>
-          <a:xfrm>
-            <a:off x="0" y="0"/>
-            <a:ext cx="9589169" cy="1311442"/>
-          </a:xfrm>
-          <a:prstGeom prst="homePlate">
-            <a:avLst/>
-          </a:prstGeom>
-        </p:spPr>
-        <p:style>
-          <a:lnRef idx="2">
-            <a:schemeClr val="accent1">
-              <a:shade val="50000"/>
-            </a:schemeClr>
-          </a:lnRef>
-          <a:fillRef idx="1">
-            <a:schemeClr val="accent1"/>
-          </a:fillRef>
-          <a:effectRef idx="0">
-            <a:schemeClr val="accent1"/>
-          </a:effectRef>
-          <a:fontRef idx="minor">
-            <a:schemeClr val="lt1"/>
-          </a:fontRef>
-        </p:style>
-        <p:txBody>
-          <a:bodyPr rtlCol="0" anchor="ctr"/>
-          <a:lstStyle/>
-          <a:p>
-            <a:pPr algn="ctr"/>
-            <a:endParaRPr lang="en-US"/>
-          </a:p>
-        </p:txBody>
-      </p:sp>
-      <p:sp>
-        <p:nvSpPr>
-          <p:cNvPr id="4" name="TextBox 3">
-            <a:extLst>
-              <a:ext uri="{FF2B5EF4-FFF2-40B4-BE49-F238E27FC236}">
-                <a16:creationId xmlns:a16="http://schemas.microsoft.com/office/drawing/2014/main" id="{F418C329-904D-0FBA-B5C5-EE7886AFDDC7}"/>
-              </a:ext>
-            </a:extLst>
-          </p:cNvPr>
-          <p:cNvSpPr txBox="1"/>
-          <p:nvPr/>
-        </p:nvSpPr>
-        <p:spPr>
-          <a:xfrm>
-            <a:off x="0" y="194483"/>
-            <a:ext cx="3633537" cy="707886"/>
-          </a:xfrm>
-          <a:prstGeom prst="rect">
-            <a:avLst/>
-          </a:prstGeom>
-          <a:noFill/>
-        </p:spPr>
-        <p:txBody>
-          <a:bodyPr wrap="square" rtlCol="0">
-            <a:spAutoFit/>
-          </a:bodyPr>
-          <a:lstStyle/>
-          <a:p>
-            <a:r>
-              <a:rPr lang="en-US" sz="4000" b="1" dirty="0"/>
-              <a:t>Questions?</a:t>
-            </a:r>
-          </a:p>
-        </p:txBody>
-      </p:sp>
-      <p:sp>
-        <p:nvSpPr>
-          <p:cNvPr id="12" name="Thought Bubble: Cloud 11">
-            <a:extLst>
-              <a:ext uri="{FF2B5EF4-FFF2-40B4-BE49-F238E27FC236}">
-                <a16:creationId xmlns:a16="http://schemas.microsoft.com/office/drawing/2014/main" id="{5E21FC77-E2DF-6D45-837A-F3CFB19B22E8}"/>
-              </a:ext>
-            </a:extLst>
-          </p:cNvPr>
-          <p:cNvSpPr/>
-          <p:nvPr/>
-        </p:nvSpPr>
-        <p:spPr>
-          <a:xfrm>
-            <a:off x="2298032" y="2261937"/>
-            <a:ext cx="7050505" cy="3705726"/>
-          </a:xfrm>
-          <a:prstGeom prst="cloudCallout">
-            <a:avLst/>
-          </a:prstGeom>
-        </p:spPr>
-        <p:style>
-          <a:lnRef idx="2">
-            <a:schemeClr val="accent1">
-              <a:shade val="50000"/>
-            </a:schemeClr>
-          </a:lnRef>
-          <a:fillRef idx="1">
-            <a:schemeClr val="accent1"/>
-          </a:fillRef>
-          <a:effectRef idx="0">
-            <a:schemeClr val="accent1"/>
-          </a:effectRef>
-          <a:fontRef idx="minor">
-            <a:schemeClr val="lt1"/>
-          </a:fontRef>
-        </p:style>
-        <p:txBody>
-          <a:bodyPr rtlCol="0" anchor="ctr"/>
-          <a:lstStyle/>
-          <a:p>
-            <a:pPr algn="ctr"/>
-            <a:endParaRPr lang="en-US"/>
-          </a:p>
-        </p:txBody>
-      </p:sp>
-      <p:sp>
-        <p:nvSpPr>
-          <p:cNvPr id="13" name="Action Button: Help 12">
-            <a:hlinkClick r:id="" action="ppaction://noaction" highlightClick="1"/>
-            <a:extLst>
-              <a:ext uri="{FF2B5EF4-FFF2-40B4-BE49-F238E27FC236}">
-                <a16:creationId xmlns:a16="http://schemas.microsoft.com/office/drawing/2014/main" id="{C5710C59-1477-B066-D4B0-341A6D4522AE}"/>
-              </a:ext>
-            </a:extLst>
-          </p:cNvPr>
-          <p:cNvSpPr/>
-          <p:nvPr/>
-        </p:nvSpPr>
-        <p:spPr>
-          <a:xfrm>
-            <a:off x="4427621" y="3152274"/>
-            <a:ext cx="3356811" cy="2093494"/>
-          </a:xfrm>
-          <a:prstGeom prst="actionButtonHelp">
-            <a:avLst/>
-          </a:prstGeom>
-        </p:spPr>
-        <p:style>
-          <a:lnRef idx="2">
-            <a:schemeClr val="accent1">
-              <a:shade val="50000"/>
-            </a:schemeClr>
-          </a:lnRef>
-          <a:fillRef idx="1">
-            <a:schemeClr val="accent1"/>
-          </a:fillRef>
-          <a:effectRef idx="0">
-            <a:schemeClr val="accent1"/>
-          </a:effectRef>
-          <a:fontRef idx="minor">
-            <a:schemeClr val="lt1"/>
-          </a:fontRef>
-        </p:style>
-        <p:txBody>
-          <a:bodyPr rtlCol="0" anchor="ctr"/>
-          <a:lstStyle/>
-          <a:p>
-            <a:pPr algn="ctr"/>
-            <a:endParaRPr lang="en-US"/>
-          </a:p>
-        </p:txBody>
-      </p:sp>
-    </p:spTree>
-    <p:extLst>
-      <p:ext uri="{BB962C8B-B14F-4D97-AF65-F5344CB8AC3E}">
-        <p14:creationId xmlns:p14="http://schemas.microsoft.com/office/powerpoint/2010/main" val="3851274428"/>
       </p:ext>
     </p:extLst>
   </p:cSld>
@@ -8397,8 +7514,8 @@
         </p:nvSpPr>
         <p:spPr>
           <a:xfrm>
-            <a:off x="0" y="1506037"/>
-            <a:ext cx="12141200" cy="4233026"/>
+            <a:off x="0" y="1170319"/>
+            <a:ext cx="12141200" cy="5006350"/>
           </a:xfrm>
         </p:spPr>
         <p:txBody>
@@ -8418,15 +7535,12 @@
                 <a:spcPts val="1500"/>
               </a:spcAft>
             </a:pPr>
-            <a:r>
-              <a:rPr lang="en-US" sz="1800" dirty="0">
-                <a:effectLst/>
-                <a:latin typeface="Calibri" panose="020F0502020204030204" pitchFamily="34" charset="0"/>
-                <a:ea typeface="Times New Roman" panose="02020603050405020304" pitchFamily="18" charset="0"/>
-                <a:cs typeface="Calibri" panose="020F0502020204030204" pitchFamily="34" charset="0"/>
-              </a:rPr>
-              <a:t>As consumers continue to suffer with financial uncertainty caused by the coming recession, budgeting apps have become a popular way to track expenses and save money. </a:t>
-            </a:r>
+            <a:endParaRPr lang="en-US" sz="1600" dirty="0">
+              <a:effectLst/>
+              <a:latin typeface="Calibri" panose="020F0502020204030204" pitchFamily="34" charset="0"/>
+              <a:ea typeface="Times New Roman" panose="02020603050405020304" pitchFamily="18" charset="0"/>
+              <a:cs typeface="Calibri" panose="020F0502020204030204" pitchFamily="34" charset="0"/>
+            </a:endParaRPr>
           </a:p>
           <a:p>
             <a:pPr marL="0" marR="0">
@@ -8441,121 +7555,14 @@
               </a:spcAft>
             </a:pPr>
             <a:r>
-              <a:rPr lang="en-CA" sz="1800" dirty="0">
-                <a:solidFill>
-                  <a:srgbClr val="111111"/>
-                </a:solidFill>
+              <a:rPr lang="en-US" sz="1600" dirty="0">
                 <a:effectLst/>
                 <a:latin typeface="Calibri" panose="020F0502020204030204" pitchFamily="34" charset="0"/>
                 <a:ea typeface="Times New Roman" panose="02020603050405020304" pitchFamily="18" charset="0"/>
                 <a:cs typeface="Calibri" panose="020F0502020204030204" pitchFamily="34" charset="0"/>
               </a:rPr>
-              <a:t>Canadian consumers are drowning in debt since it has risen to $2.32 trillion, with an average debt load of</a:t>
-            </a:r>
-            <a:r>
-              <a:rPr lang="en-CA" sz="1800" b="1" dirty="0">
-                <a:solidFill>
-                  <a:srgbClr val="111111"/>
-                </a:solidFill>
-                <a:effectLst/>
-                <a:latin typeface="Calibri" panose="020F0502020204030204" pitchFamily="34" charset="0"/>
-                <a:ea typeface="Times New Roman" panose="02020603050405020304" pitchFamily="18" charset="0"/>
-                <a:cs typeface="Calibri" panose="020F0502020204030204" pitchFamily="34" charset="0"/>
-              </a:rPr>
-              <a:t> </a:t>
-            </a:r>
-            <a:r>
-              <a:rPr lang="en-CA" sz="1800" b="1" dirty="0">
-                <a:solidFill>
-                  <a:srgbClr val="FF0000"/>
-                </a:solidFill>
-                <a:effectLst/>
-                <a:latin typeface="Calibri" panose="020F0502020204030204" pitchFamily="34" charset="0"/>
-                <a:ea typeface="Times New Roman" panose="02020603050405020304" pitchFamily="18" charset="0"/>
-                <a:cs typeface="Calibri" panose="020F0502020204030204" pitchFamily="34" charset="0"/>
-              </a:rPr>
-              <a:t>approximately $21,183</a:t>
-            </a:r>
-            <a:r>
-              <a:rPr lang="en-CA" sz="1800" dirty="0">
-                <a:solidFill>
-                  <a:srgbClr val="111111"/>
-                </a:solidFill>
-                <a:effectLst/>
-                <a:latin typeface="Calibri" panose="020F0502020204030204" pitchFamily="34" charset="0"/>
-                <a:ea typeface="Times New Roman" panose="02020603050405020304" pitchFamily="18" charset="0"/>
-                <a:cs typeface="Calibri" panose="020F0502020204030204" pitchFamily="34" charset="0"/>
-              </a:rPr>
-              <a:t>—excluding mortgages. These numbers represent an increase of 8.2% over last year, and 6.4% between the first and second quarters of 2022</a:t>
-            </a:r>
-            <a:r>
-              <a:rPr lang="en-CA" sz="1800" dirty="0">
-                <a:solidFill>
-                  <a:srgbClr val="111111"/>
-                </a:solidFill>
-                <a:latin typeface="Calibri" panose="020F0502020204030204" pitchFamily="34" charset="0"/>
-                <a:ea typeface="Times New Roman" panose="02020603050405020304" pitchFamily="18" charset="0"/>
-                <a:cs typeface="Calibri" panose="020F0502020204030204" pitchFamily="34" charset="0"/>
-              </a:rPr>
-              <a:t>, and </a:t>
-            </a:r>
-            <a:r>
-              <a:rPr lang="en-GB" sz="1800" dirty="0">
-                <a:solidFill>
-                  <a:srgbClr val="111111"/>
-                </a:solidFill>
-                <a:latin typeface="Calibri" panose="020F0502020204030204" pitchFamily="34" charset="0"/>
-                <a:ea typeface="Times New Roman" panose="02020603050405020304" pitchFamily="18" charset="0"/>
-                <a:cs typeface="Calibri" panose="020F0502020204030204" pitchFamily="34" charset="0"/>
-              </a:rPr>
-              <a:t>h</a:t>
-            </a:r>
-            <a:r>
-              <a:rPr lang="en-GB" sz="1800" dirty="0">
-                <a:effectLst/>
-                <a:latin typeface="Calibri" panose="020F0502020204030204" pitchFamily="34" charset="0"/>
-                <a:ea typeface="Times New Roman" panose="02020603050405020304" pitchFamily="18" charset="0"/>
-                <a:cs typeface="Calibri" panose="020F0502020204030204" pitchFamily="34" charset="0"/>
-              </a:rPr>
-              <a:t>ousehold debt-to-income ratio is 167.8</a:t>
-            </a:r>
-            <a:r>
-              <a:rPr lang="en-GB" sz="1800" dirty="0">
-                <a:latin typeface="Calibri" panose="020F0502020204030204" pitchFamily="34" charset="0"/>
-                <a:ea typeface="Times New Roman" panose="02020603050405020304" pitchFamily="18" charset="0"/>
-                <a:cs typeface="Calibri" panose="020F0502020204030204" pitchFamily="34" charset="0"/>
-              </a:rPr>
-              <a:t>%.</a:t>
-            </a:r>
-            <a:endParaRPr lang="en-CA" sz="1800" dirty="0">
-              <a:effectLst/>
-              <a:latin typeface="Calibri" panose="020F0502020204030204" pitchFamily="34" charset="0"/>
-              <a:cs typeface="Calibri" panose="020F0502020204030204" pitchFamily="34" charset="0"/>
-            </a:endParaRPr>
-          </a:p>
-          <a:p>
-            <a:pPr marL="0" indent="0">
-              <a:lnSpc>
-                <a:spcPct val="150000"/>
-              </a:lnSpc>
-              <a:spcBef>
-                <a:spcPts val="0"/>
-              </a:spcBef>
-              <a:spcAft>
-                <a:spcPts val="1500"/>
-              </a:spcAft>
-              <a:buNone/>
-            </a:pPr>
-            <a:r>
-              <a:rPr lang="en-US" sz="1800" b="1" dirty="0"/>
-              <a:t>For  the reasons listed  above we decided to study the Canadian Household Finance Market by analyzing the income, expenses, savings, debts and  some of the relevant stocks from the Canadian stock market.</a:t>
-            </a:r>
-            <a:endParaRPr lang="en-CA" sz="1800" dirty="0">
-              <a:effectLst/>
-              <a:latin typeface="Calibri" panose="020F0502020204030204" pitchFamily="34" charset="0"/>
-              <a:ea typeface="Times New Roman" panose="02020603050405020304" pitchFamily="18" charset="0"/>
-              <a:cs typeface="Calibri" panose="020F0502020204030204" pitchFamily="34" charset="0"/>
-            </a:endParaRPr>
+              <a:t>As consumers continue to grapple with financial uncertainty caused by the coming recession, budgeting apps have become a popular way to track expenses and save money. </a:t>
+            </a:r>
           </a:p>
           <a:p>
             <a:pPr marL="0" marR="0">
@@ -8569,7 +7576,162 @@
                 <a:spcPts val="1500"/>
               </a:spcAft>
             </a:pPr>
-            <a:endParaRPr lang="en-US" sz="1800" dirty="0">
+            <a:r>
+              <a:rPr lang="en-CA" sz="1600" dirty="0">
+                <a:solidFill>
+                  <a:srgbClr val="111111"/>
+                </a:solidFill>
+                <a:effectLst/>
+                <a:latin typeface="Calibri" panose="020F0502020204030204" pitchFamily="34" charset="0"/>
+                <a:ea typeface="Times New Roman" panose="02020603050405020304" pitchFamily="18" charset="0"/>
+                <a:cs typeface="Calibri" panose="020F0502020204030204" pitchFamily="34" charset="0"/>
+              </a:rPr>
+              <a:t>Canadian consumers are drowning in debt since it has risen to $2.32 trillion, with an average debt load of</a:t>
+            </a:r>
+            <a:r>
+              <a:rPr lang="en-CA" sz="1600" b="1" dirty="0">
+                <a:solidFill>
+                  <a:srgbClr val="111111"/>
+                </a:solidFill>
+                <a:effectLst/>
+                <a:latin typeface="Calibri" panose="020F0502020204030204" pitchFamily="34" charset="0"/>
+                <a:ea typeface="Times New Roman" panose="02020603050405020304" pitchFamily="18" charset="0"/>
+                <a:cs typeface="Calibri" panose="020F0502020204030204" pitchFamily="34" charset="0"/>
+              </a:rPr>
+              <a:t> </a:t>
+            </a:r>
+            <a:r>
+              <a:rPr lang="en-CA" sz="1600" b="1" dirty="0">
+                <a:solidFill>
+                  <a:srgbClr val="FF0000"/>
+                </a:solidFill>
+                <a:effectLst/>
+                <a:latin typeface="Calibri" panose="020F0502020204030204" pitchFamily="34" charset="0"/>
+                <a:ea typeface="Times New Roman" panose="02020603050405020304" pitchFamily="18" charset="0"/>
+                <a:cs typeface="Calibri" panose="020F0502020204030204" pitchFamily="34" charset="0"/>
+              </a:rPr>
+              <a:t>approximately $21,183</a:t>
+            </a:r>
+            <a:r>
+              <a:rPr lang="en-CA" sz="1600" dirty="0">
+                <a:solidFill>
+                  <a:srgbClr val="111111"/>
+                </a:solidFill>
+                <a:effectLst/>
+                <a:latin typeface="Calibri" panose="020F0502020204030204" pitchFamily="34" charset="0"/>
+                <a:ea typeface="Times New Roman" panose="02020603050405020304" pitchFamily="18" charset="0"/>
+                <a:cs typeface="Calibri" panose="020F0502020204030204" pitchFamily="34" charset="0"/>
+              </a:rPr>
+              <a:t>—excluding mortgages. These numbers represent an increase of 8.2% over last year, and 6.4% between the first and second quarters of 2022.</a:t>
+            </a:r>
+          </a:p>
+          <a:p>
+            <a:pPr marL="0" marR="0">
+              <a:lnSpc>
+                <a:spcPct val="150000"/>
+              </a:lnSpc>
+              <a:spcBef>
+                <a:spcPts val="0"/>
+              </a:spcBef>
+              <a:spcAft>
+                <a:spcPts val="1500"/>
+              </a:spcAft>
+            </a:pPr>
+            <a:r>
+              <a:rPr lang="en-GB" sz="1600" dirty="0">
+                <a:latin typeface="Calibri" panose="020F0502020204030204" pitchFamily="34" charset="0"/>
+                <a:ea typeface="Times New Roman" panose="02020603050405020304" pitchFamily="18" charset="0"/>
+                <a:cs typeface="Calibri" panose="020F0502020204030204" pitchFamily="34" charset="0"/>
+              </a:rPr>
+              <a:t>H</a:t>
+            </a:r>
+            <a:r>
+              <a:rPr lang="en-GB" sz="1600" dirty="0">
+                <a:effectLst/>
+                <a:latin typeface="Calibri" panose="020F0502020204030204" pitchFamily="34" charset="0"/>
+                <a:ea typeface="Times New Roman" panose="02020603050405020304" pitchFamily="18" charset="0"/>
+                <a:cs typeface="Calibri" panose="020F0502020204030204" pitchFamily="34" charset="0"/>
+              </a:rPr>
+              <a:t>ousehold debt-to-income ratio is 167.8% according to the same report.</a:t>
+            </a:r>
+            <a:r>
+              <a:rPr lang="en-CA" sz="1600" dirty="0">
+                <a:effectLst/>
+                <a:latin typeface="Calibri" panose="020F0502020204030204" pitchFamily="34" charset="0"/>
+                <a:cs typeface="Calibri" panose="020F0502020204030204" pitchFamily="34" charset="0"/>
+              </a:rPr>
+              <a:t> </a:t>
+            </a:r>
+            <a:r>
+              <a:rPr lang="en-GB" sz="1600" dirty="0">
+                <a:effectLst/>
+                <a:latin typeface="Calibri" panose="020F0502020204030204" pitchFamily="34" charset="0"/>
+                <a:ea typeface="Times New Roman" panose="02020603050405020304" pitchFamily="18" charset="0"/>
+                <a:cs typeface="Calibri" panose="020F0502020204030204" pitchFamily="34" charset="0"/>
+              </a:rPr>
+              <a:t>Thus, this proposal aims to provide a micro-level solution to this problem in the form of a comprehensive personal finance application that can provide key analytical trends and insights into the finances of Canadians’ households</a:t>
+            </a:r>
+            <a:r>
+              <a:rPr lang="en-CA" sz="1600" dirty="0">
+                <a:latin typeface="Calibri" panose="020F0502020204030204" pitchFamily="34" charset="0"/>
+                <a:ea typeface="Times New Roman" panose="02020603050405020304" pitchFamily="18" charset="0"/>
+                <a:cs typeface="Calibri" panose="020F0502020204030204" pitchFamily="34" charset="0"/>
+              </a:rPr>
+              <a:t>.</a:t>
+            </a:r>
+            <a:endParaRPr lang="en-CA" sz="1600" dirty="0">
+              <a:effectLst/>
+              <a:latin typeface="Calibri" panose="020F0502020204030204" pitchFamily="34" charset="0"/>
+              <a:cs typeface="Calibri" panose="020F0502020204030204" pitchFamily="34" charset="0"/>
+            </a:endParaRPr>
+          </a:p>
+          <a:p>
+            <a:pPr marL="0">
+              <a:lnSpc>
+                <a:spcPct val="150000"/>
+              </a:lnSpc>
+              <a:spcBef>
+                <a:spcPts val="0"/>
+              </a:spcBef>
+              <a:spcAft>
+                <a:spcPts val="1500"/>
+              </a:spcAft>
+            </a:pPr>
+            <a:r>
+              <a:rPr lang="en-CA" sz="1600" dirty="0">
+                <a:solidFill>
+                  <a:srgbClr val="333333"/>
+                </a:solidFill>
+                <a:effectLst/>
+                <a:latin typeface="Calibri" panose="020F0502020204030204" pitchFamily="34" charset="0"/>
+                <a:ea typeface="Times New Roman" panose="02020603050405020304" pitchFamily="18" charset="0"/>
+                <a:cs typeface="Calibri" panose="020F0502020204030204" pitchFamily="34" charset="0"/>
+              </a:rPr>
+              <a:t>The main function of a financial app is to help create a workable budget that you can stick to, based on your typical income and spending. allowing you to create different budget categories and assign money from your paychecks to those categories.</a:t>
+            </a:r>
+          </a:p>
+          <a:p>
+            <a:pPr marL="0">
+              <a:lnSpc>
+                <a:spcPct val="150000"/>
+              </a:lnSpc>
+              <a:spcBef>
+                <a:spcPts val="0"/>
+              </a:spcBef>
+              <a:spcAft>
+                <a:spcPts val="1500"/>
+              </a:spcAft>
+            </a:pPr>
+            <a:r>
+              <a:rPr lang="en-US" sz="1600" dirty="0">
+                <a:effectLst/>
+                <a:latin typeface="Calibri" panose="020F0502020204030204" pitchFamily="34" charset="0"/>
+                <a:ea typeface="Times New Roman" panose="02020603050405020304" pitchFamily="18" charset="0"/>
+                <a:cs typeface="Calibri" panose="020F0502020204030204" pitchFamily="34" charset="0"/>
+              </a:rPr>
+              <a:t>Reference: State of Mobile 2022 - data.ai /Central government debt (statcan.gc.ca)</a:t>
+            </a:r>
+            <a:endParaRPr lang="en-US" sz="1600" dirty="0">
               <a:latin typeface="Calibri" panose="020F0502020204030204" pitchFamily="34" charset="0"/>
               <a:cs typeface="Calibri" panose="020F0502020204030204" pitchFamily="34" charset="0"/>
             </a:endParaRPr>
@@ -8587,7 +7749,7 @@
               </a:spcAft>
               <a:buNone/>
             </a:pPr>
-            <a:endParaRPr lang="en-US" sz="1800" dirty="0">
+            <a:endParaRPr lang="en-US" sz="1600" dirty="0">
               <a:effectLst/>
               <a:latin typeface="Helvetica" panose="020B0604020202020204" pitchFamily="34" charset="0"/>
               <a:ea typeface="Times New Roman" panose="02020603050405020304" pitchFamily="18" charset="0"/>
@@ -8598,93 +7760,10 @@
             <a:pPr marL="0" indent="0">
               <a:buNone/>
             </a:pPr>
-            <a:endParaRPr lang="en-US" sz="1800" dirty="0">
+            <a:endParaRPr lang="en-US" sz="1600" dirty="0">
               <a:latin typeface="Helvetica" panose="020B0604020202020204" pitchFamily="34" charset="0"/>
               <a:cs typeface="Helvetica" panose="020B0604020202020204" pitchFamily="34" charset="0"/>
             </a:endParaRPr>
-          </a:p>
-        </p:txBody>
-      </p:sp>
-      <p:sp>
-        <p:nvSpPr>
-          <p:cNvPr id="4" name="TextBox 3">
-            <a:extLst>
-              <a:ext uri="{FF2B5EF4-FFF2-40B4-BE49-F238E27FC236}">
-                <a16:creationId xmlns:a16="http://schemas.microsoft.com/office/drawing/2014/main" id="{51E30F3F-11A3-202E-DAD1-BCB9DE3DB87F}"/>
-              </a:ext>
-            </a:extLst>
-          </p:cNvPr>
-          <p:cNvSpPr txBox="1"/>
-          <p:nvPr/>
-        </p:nvSpPr>
-        <p:spPr>
-          <a:xfrm>
-            <a:off x="0" y="6128543"/>
-            <a:ext cx="7709568" cy="892552"/>
-          </a:xfrm>
-          <a:prstGeom prst="rect">
-            <a:avLst/>
-          </a:prstGeom>
-          <a:noFill/>
-        </p:spPr>
-        <p:txBody>
-          <a:bodyPr wrap="square" rtlCol="0">
-            <a:spAutoFit/>
-          </a:bodyPr>
-          <a:lstStyle/>
-          <a:p>
-            <a:r>
-              <a:rPr lang="en-US" sz="1600" b="1" u="sng" dirty="0">
-                <a:latin typeface="Helvetica" panose="020B0604020202020204" pitchFamily="34" charset="0"/>
-                <a:cs typeface="Helvetica" panose="020B0604020202020204" pitchFamily="34" charset="0"/>
-              </a:rPr>
-              <a:t>Reference</a:t>
-            </a:r>
-            <a:r>
-              <a:rPr lang="en-US" sz="1600" b="1" u="sng" dirty="0"/>
-              <a:t>: </a:t>
-            </a:r>
-          </a:p>
-          <a:p>
-            <a:r>
-              <a:rPr lang="en-US" dirty="0">
-                <a:hlinkClick r:id="rId2">
-                  <a:extLst>
-                    <a:ext uri="{A12FA001-AC4F-418D-AE19-62706E023703}">
-                      <ahyp:hlinkClr xmlns:ahyp="http://schemas.microsoft.com/office/drawing/2018/hyperlinkcolor" val="tx"/>
-                    </a:ext>
-                  </a:extLst>
-                </a:hlinkClick>
-              </a:rPr>
-              <a:t>State of Mobile 2022 - data.ai</a:t>
-            </a:r>
-            <a:r>
-              <a:rPr lang="en-US" dirty="0"/>
-              <a:t> /</a:t>
-            </a:r>
-            <a:r>
-              <a:rPr lang="en-CA" sz="1800" u="sng" dirty="0">
-                <a:effectLst/>
-                <a:latin typeface="Times New Roman" panose="02020603050405020304" pitchFamily="18" charset="0"/>
-                <a:ea typeface="Times New Roman" panose="02020603050405020304" pitchFamily="18" charset="0"/>
-                <a:hlinkClick r:id="rId3">
-                  <a:extLst>
-                    <a:ext uri="{A12FA001-AC4F-418D-AE19-62706E023703}">
-                      <ahyp:hlinkClr xmlns:ahyp="http://schemas.microsoft.com/office/drawing/2018/hyperlinkcolor" val="tx"/>
-                    </a:ext>
-                  </a:extLst>
-                </a:hlinkClick>
-              </a:rPr>
-              <a:t>Central government debt (statcan.gc.ca)</a:t>
-            </a:r>
-            <a:endParaRPr lang="en-CA" sz="1800" dirty="0">
-              <a:effectLst/>
-              <a:latin typeface="Times New Roman" panose="02020603050405020304" pitchFamily="18" charset="0"/>
-              <a:ea typeface="Times New Roman" panose="02020603050405020304" pitchFamily="18" charset="0"/>
-            </a:endParaRPr>
-          </a:p>
-          <a:p>
-            <a:endParaRPr lang="en-US" sz="1600" dirty="0"/>
           </a:p>
         </p:txBody>
       </p:sp>
@@ -8774,7 +7853,7 @@
                 <a:latin typeface="+mn-lt"/>
                 <a:cs typeface="Helvetica" panose="020B0604020202020204" pitchFamily="34" charset="0"/>
               </a:rPr>
-              <a:t>Introduction</a:t>
+              <a:t>Proposal</a:t>
             </a:r>
             <a:r>
               <a:rPr lang="en-US" sz="4000" b="1" dirty="0">
@@ -8938,70 +8017,65 @@
         </p:spPr>
         <p:txBody>
           <a:bodyPr>
-            <a:normAutofit fontScale="62500" lnSpcReduction="20000"/>
+            <a:normAutofit/>
           </a:bodyPr>
           <a:lstStyle/>
           <a:p>
-            <a:r>
-              <a:rPr lang="en-US" dirty="0"/>
+            <a:pPr>
+              <a:lnSpc>
+                <a:spcPct val="100000"/>
+              </a:lnSpc>
+            </a:pPr>
+            <a:r>
+              <a:rPr lang="en-US" sz="1600" dirty="0"/>
               <a:t>Distributions of household economic accounts, income, consumption and saving, Canada, provinces and territories, annual (x 1,000,000)</a:t>
             </a:r>
           </a:p>
           <a:p>
             <a:pPr marL="0" indent="0">
+              <a:lnSpc>
+                <a:spcPct val="100000"/>
+              </a:lnSpc>
               <a:buNone/>
             </a:pPr>
             <a:r>
-              <a:rPr lang="en-US" dirty="0">
-                <a:hlinkClick r:id="rId2">
-                  <a:extLst>
-                    <a:ext uri="{A12FA001-AC4F-418D-AE19-62706E023703}">
-                      <ahyp:hlinkClr xmlns:ahyp="http://schemas.microsoft.com/office/drawing/2018/hyperlinkcolor" val="tx"/>
-                    </a:ext>
-                  </a:extLst>
-                </a:hlinkClick>
-              </a:rPr>
-              <a:t>https://www150.statcan.gc.ca/t1/tbl1/en/tv.action?pid=3610058801</a:t>
-            </a:r>
-            <a:endParaRPr lang="en-US" dirty="0"/>
-          </a:p>
-          <a:p>
-            <a:r>
-              <a:rPr lang="en-US" dirty="0"/>
+              <a:rPr lang="en-US" sz="1600" dirty="0"/>
+              <a:t>	https://www150.statcan.gc.ca/t1/tbl1/en/tv.action?pid=3610058801</a:t>
+            </a:r>
+          </a:p>
+          <a:p>
+            <a:pPr>
+              <a:lnSpc>
+                <a:spcPct val="100000"/>
+              </a:lnSpc>
+            </a:pPr>
+            <a:r>
+              <a:rPr lang="en-US" sz="1600" dirty="0"/>
               <a:t>Credit liabilities of households (x 1,000,000)</a:t>
             </a:r>
           </a:p>
           <a:p>
             <a:pPr marL="0" indent="0">
+              <a:lnSpc>
+                <a:spcPct val="100000"/>
+              </a:lnSpc>
               <a:buNone/>
             </a:pPr>
             <a:r>
-              <a:rPr lang="en-US" dirty="0">
-                <a:hlinkClick r:id="rId3">
-                  <a:extLst>
-                    <a:ext uri="{A12FA001-AC4F-418D-AE19-62706E023703}">
-                      <ahyp:hlinkClr xmlns:ahyp="http://schemas.microsoft.com/office/drawing/2018/hyperlinkcolor" val="tx"/>
-                    </a:ext>
-                  </a:extLst>
-                </a:hlinkClick>
-              </a:rPr>
-              <a:t>https://www150.statcan.gc.ca/t1/tbl1/en/tv.action?pid=3610063901</a:t>
-            </a:r>
-            <a:endParaRPr lang="en-US" dirty="0"/>
-          </a:p>
-          <a:p>
-            <a:pPr marL="0" indent="0">
-              <a:buNone/>
-            </a:pPr>
-            <a:endParaRPr lang="en-US" dirty="0"/>
+              <a:rPr lang="en-US" sz="1600" dirty="0"/>
+              <a:t>	https://www150.statcan.gc.ca/t1/tbl1/en/tv.action?pid=3610063901</a:t>
+            </a:r>
           </a:p>
           <a:p>
             <a:pPr algn="l">
+              <a:lnSpc>
+                <a:spcPct val="100000"/>
+              </a:lnSpc>
               <a:buFont typeface="+mj-lt"/>
               <a:buAutoNum type="arabicPeriod"/>
             </a:pPr>
             <a:r>
-              <a:rPr lang="en-US" b="0" i="0" dirty="0">
+              <a:rPr lang="en-US" sz="1600" b="0" i="0" dirty="0">
                 <a:solidFill>
                   <a:srgbClr val="1D1C1D"/>
                 </a:solidFill>
@@ -9013,11 +8087,14 @@
           </a:p>
           <a:p>
             <a:pPr>
+              <a:lnSpc>
+                <a:spcPct val="100000"/>
+              </a:lnSpc>
               <a:buFont typeface="+mj-lt"/>
               <a:buAutoNum type="arabicPeriod"/>
             </a:pPr>
             <a:r>
-              <a:rPr lang="en-US" b="0" i="0" dirty="0">
+              <a:rPr lang="en-US" sz="1600" b="0" i="0" dirty="0">
                 <a:solidFill>
                   <a:srgbClr val="1D1C1D"/>
                 </a:solidFill>
@@ -9029,11 +8106,14 @@
           </a:p>
           <a:p>
             <a:pPr algn="l">
+              <a:lnSpc>
+                <a:spcPct val="100000"/>
+              </a:lnSpc>
               <a:buFont typeface="+mj-lt"/>
               <a:buAutoNum type="arabicPeriod"/>
             </a:pPr>
             <a:r>
-              <a:rPr lang="en-US" b="0" i="0" dirty="0">
+              <a:rPr lang="en-US" sz="1600" b="0" i="0" dirty="0">
                 <a:solidFill>
                   <a:srgbClr val="1D1C1D"/>
                 </a:solidFill>
@@ -9045,11 +8125,14 @@
           </a:p>
           <a:p>
             <a:pPr algn="l">
+              <a:lnSpc>
+                <a:spcPct val="100000"/>
+              </a:lnSpc>
               <a:buFont typeface="+mj-lt"/>
               <a:buAutoNum type="arabicPeriod"/>
             </a:pPr>
             <a:r>
-              <a:rPr lang="en-US" b="0" i="0" dirty="0">
+              <a:rPr lang="en-US" sz="1600" b="0" i="0" dirty="0">
                 <a:solidFill>
                   <a:srgbClr val="1D1C1D"/>
                 </a:solidFill>
@@ -9061,11 +8144,14 @@
           </a:p>
           <a:p>
             <a:pPr>
+              <a:lnSpc>
+                <a:spcPct val="100000"/>
+              </a:lnSpc>
               <a:buFont typeface="+mj-lt"/>
               <a:buAutoNum type="arabicPeriod"/>
             </a:pPr>
             <a:r>
-              <a:rPr lang="en-US" b="0" i="0" dirty="0">
+              <a:rPr lang="en-US" sz="1600" b="0" i="0" dirty="0">
                 <a:solidFill>
                   <a:srgbClr val="1D1C1D"/>
                 </a:solidFill>
@@ -9077,11 +8163,14 @@
           </a:p>
           <a:p>
             <a:pPr algn="l">
+              <a:lnSpc>
+                <a:spcPct val="100000"/>
+              </a:lnSpc>
               <a:buFont typeface="+mj-lt"/>
               <a:buAutoNum type="arabicPeriod"/>
             </a:pPr>
             <a:r>
-              <a:rPr lang="en-US" b="0" i="0" dirty="0">
+              <a:rPr lang="en-US" sz="1600" b="0" i="0" dirty="0">
                 <a:solidFill>
                   <a:srgbClr val="1D1C1D"/>
                 </a:solidFill>
@@ -9543,8 +8632,8 @@
         </p:blipFill>
         <p:spPr>
           <a:xfrm>
-            <a:off x="4761546" y="1224120"/>
-            <a:ext cx="6785812" cy="5077326"/>
+            <a:off x="4709839" y="329317"/>
+            <a:ext cx="7143371" cy="5344861"/>
           </a:xfrm>
           <a:custGeom>
             <a:avLst/>
@@ -10180,8 +9269,8 @@
         </p:blipFill>
         <p:spPr>
           <a:xfrm>
-            <a:off x="5393932" y="882077"/>
-            <a:ext cx="6642625" cy="5571065"/>
+            <a:off x="5169638" y="693965"/>
+            <a:ext cx="6866920" cy="5759178"/>
           </a:xfrm>
           <a:prstGeom prst="rect">
             <a:avLst/>
@@ -10270,7 +9359,7 @@
         </p:nvSpPr>
         <p:spPr>
           <a:xfrm>
-            <a:off x="673323" y="855019"/>
+            <a:off x="491259" y="480399"/>
             <a:ext cx="4560395" cy="6186309"/>
           </a:xfrm>
           <a:prstGeom prst="rect">
@@ -10773,8 +9862,8 @@
         </p:nvSpPr>
         <p:spPr>
           <a:xfrm>
-            <a:off x="4447308" y="591344"/>
-            <a:ext cx="6906491" cy="5585619"/>
+            <a:off x="4226729" y="86018"/>
+            <a:ext cx="6906491" cy="6403014"/>
           </a:xfrm>
         </p:spPr>
         <p:txBody>
@@ -11345,8 +10434,8 @@
         </p:blipFill>
         <p:spPr>
           <a:xfrm>
-            <a:off x="2517170" y="410967"/>
-            <a:ext cx="6953688" cy="5803566"/>
+            <a:off x="1614802" y="-121580"/>
+            <a:ext cx="8169994" cy="6858000"/>
           </a:xfrm>
           <a:prstGeom prst="rect">
             <a:avLst/>
@@ -11973,8 +11062,8 @@
         </p:blipFill>
         <p:spPr>
           <a:xfrm>
-            <a:off x="1880171" y="643467"/>
-            <a:ext cx="7612819" cy="5952542"/>
+            <a:off x="1807981" y="-1"/>
+            <a:ext cx="8519124" cy="6661191"/>
           </a:xfrm>
           <a:prstGeom prst="rect">
             <a:avLst/>
